--- a/Rapport/webscrapping.pptx
+++ b/Rapport/webscrapping.pptx
@@ -4,6 +4,12 @@
   <p:sldMasterIdLst>
     <p:sldMasterId id="2147483660" r:id="rId1"/>
   </p:sldMasterIdLst>
+  <p:notesMasterIdLst>
+    <p:notesMasterId r:id="rId11"/>
+  </p:notesMasterIdLst>
+  <p:handoutMasterIdLst>
+    <p:handoutMasterId r:id="rId12"/>
+  </p:handoutMasterIdLst>
   <p:sldIdLst>
     <p:sldId id="256" r:id="rId2"/>
     <p:sldId id="257" r:id="rId3"/>
@@ -11,6 +17,9 @@
     <p:sldId id="260" r:id="rId5"/>
     <p:sldId id="263" r:id="rId6"/>
     <p:sldId id="261" r:id="rId7"/>
+    <p:sldId id="265" r:id="rId8"/>
+    <p:sldId id="264" r:id="rId9"/>
+    <p:sldId id="266" r:id="rId10"/>
   </p:sldIdLst>
   <p:sldSz cx="12192000" cy="6858000"/>
   <p:notesSz cx="6858000" cy="9144000"/>
@@ -115,6 +124,547 @@
     </p:ext>
   </p:extLst>
 </p:presentation>
+</file>
+
+<file path=ppt/handoutMasters/handoutMaster1.xml><?xml version="1.0" encoding="utf-8"?>
+<p:handoutMaster xmlns:a="http://schemas.openxmlformats.org/drawingml/2006/main" xmlns:r="http://schemas.openxmlformats.org/officeDocument/2006/relationships" xmlns:p="http://schemas.openxmlformats.org/presentationml/2006/main">
+  <p:cSld>
+    <p:bg>
+      <p:bgRef idx="1001">
+        <a:schemeClr val="bg1"/>
+      </p:bgRef>
+    </p:bg>
+    <p:spTree>
+      <p:nvGrpSpPr>
+        <p:cNvPr id="1" name=""/>
+        <p:cNvGrpSpPr/>
+        <p:nvPr/>
+      </p:nvGrpSpPr>
+      <p:grpSpPr>
+        <a:xfrm>
+          <a:off x="0" y="0"/>
+          <a:ext cx="0" cy="0"/>
+          <a:chOff x="0" y="0"/>
+          <a:chExt cx="0" cy="0"/>
+        </a:xfrm>
+      </p:grpSpPr>
+      <p:sp>
+        <p:nvSpPr>
+          <p:cNvPr id="2" name="Header Placeholder 1">
+            <a:extLst>
+              <a:ext uri="{FF2B5EF4-FFF2-40B4-BE49-F238E27FC236}">
+                <a16:creationId xmlns:a16="http://schemas.microsoft.com/office/drawing/2014/main" id="{AED58C20-BBF0-BCA1-9486-077F91BADBF0}"/>
+              </a:ext>
+            </a:extLst>
+          </p:cNvPr>
+          <p:cNvSpPr>
+            <a:spLocks noGrp="1"/>
+          </p:cNvSpPr>
+          <p:nvPr>
+            <p:ph type="hdr" sz="quarter"/>
+          </p:nvPr>
+        </p:nvSpPr>
+        <p:spPr>
+          <a:xfrm>
+            <a:off x="0" y="0"/>
+            <a:ext cx="2971800" cy="458788"/>
+          </a:xfrm>
+          <a:prstGeom prst="rect">
+            <a:avLst/>
+          </a:prstGeom>
+        </p:spPr>
+        <p:txBody>
+          <a:bodyPr vert="horz" lIns="91440" tIns="45720" rIns="91440" bIns="45720" rtlCol="0"/>
+          <a:lstStyle>
+            <a:lvl1pPr algn="l">
+              <a:defRPr sz="1200"/>
+            </a:lvl1pPr>
+          </a:lstStyle>
+          <a:p>
+            <a:endParaRPr lang="fr-FR"/>
+          </a:p>
+        </p:txBody>
+      </p:sp>
+      <p:sp>
+        <p:nvSpPr>
+          <p:cNvPr id="3" name="Date Placeholder 2">
+            <a:extLst>
+              <a:ext uri="{FF2B5EF4-FFF2-40B4-BE49-F238E27FC236}">
+                <a16:creationId xmlns:a16="http://schemas.microsoft.com/office/drawing/2014/main" id="{17B8B341-8956-7B34-9B06-537C58D0CF58}"/>
+              </a:ext>
+            </a:extLst>
+          </p:cNvPr>
+          <p:cNvSpPr>
+            <a:spLocks noGrp="1"/>
+          </p:cNvSpPr>
+          <p:nvPr>
+            <p:ph type="dt" sz="quarter" idx="1"/>
+          </p:nvPr>
+        </p:nvSpPr>
+        <p:spPr>
+          <a:xfrm>
+            <a:off x="3884613" y="0"/>
+            <a:ext cx="2971800" cy="458788"/>
+          </a:xfrm>
+          <a:prstGeom prst="rect">
+            <a:avLst/>
+          </a:prstGeom>
+        </p:spPr>
+        <p:txBody>
+          <a:bodyPr vert="horz" lIns="91440" tIns="45720" rIns="91440" bIns="45720" rtlCol="0"/>
+          <a:lstStyle>
+            <a:lvl1pPr algn="r">
+              <a:defRPr sz="1200"/>
+            </a:lvl1pPr>
+          </a:lstStyle>
+          <a:p>
+            <a:fld id="{A984C863-1E8A-4E01-B46C-BD7E023CE0A4}" type="datetimeFigureOut">
+              <a:rPr lang="fr-FR" smtClean="0"/>
+              <a:t>13/01/2023</a:t>
+            </a:fld>
+            <a:endParaRPr lang="fr-FR"/>
+          </a:p>
+        </p:txBody>
+      </p:sp>
+      <p:sp>
+        <p:nvSpPr>
+          <p:cNvPr id="4" name="Footer Placeholder 3">
+            <a:extLst>
+              <a:ext uri="{FF2B5EF4-FFF2-40B4-BE49-F238E27FC236}">
+                <a16:creationId xmlns:a16="http://schemas.microsoft.com/office/drawing/2014/main" id="{E96C3883-436C-8026-73ED-368A0EA64815}"/>
+              </a:ext>
+            </a:extLst>
+          </p:cNvPr>
+          <p:cNvSpPr>
+            <a:spLocks noGrp="1"/>
+          </p:cNvSpPr>
+          <p:nvPr>
+            <p:ph type="ftr" sz="quarter" idx="2"/>
+          </p:nvPr>
+        </p:nvSpPr>
+        <p:spPr>
+          <a:xfrm>
+            <a:off x="0" y="8685213"/>
+            <a:ext cx="2971800" cy="458787"/>
+          </a:xfrm>
+          <a:prstGeom prst="rect">
+            <a:avLst/>
+          </a:prstGeom>
+        </p:spPr>
+        <p:txBody>
+          <a:bodyPr vert="horz" lIns="91440" tIns="45720" rIns="91440" bIns="45720" rtlCol="0" anchor="b"/>
+          <a:lstStyle>
+            <a:lvl1pPr algn="l">
+              <a:defRPr sz="1200"/>
+            </a:lvl1pPr>
+          </a:lstStyle>
+          <a:p>
+            <a:endParaRPr lang="fr-FR"/>
+          </a:p>
+        </p:txBody>
+      </p:sp>
+      <p:sp>
+        <p:nvSpPr>
+          <p:cNvPr id="5" name="Slide Number Placeholder 4">
+            <a:extLst>
+              <a:ext uri="{FF2B5EF4-FFF2-40B4-BE49-F238E27FC236}">
+                <a16:creationId xmlns:a16="http://schemas.microsoft.com/office/drawing/2014/main" id="{AF174980-475D-655E-0D98-DC95A12CE8EE}"/>
+              </a:ext>
+            </a:extLst>
+          </p:cNvPr>
+          <p:cNvSpPr>
+            <a:spLocks noGrp="1"/>
+          </p:cNvSpPr>
+          <p:nvPr>
+            <p:ph type="sldNum" sz="quarter" idx="3"/>
+          </p:nvPr>
+        </p:nvSpPr>
+        <p:spPr>
+          <a:xfrm>
+            <a:off x="3884613" y="8685213"/>
+            <a:ext cx="2971800" cy="458787"/>
+          </a:xfrm>
+          <a:prstGeom prst="rect">
+            <a:avLst/>
+          </a:prstGeom>
+        </p:spPr>
+        <p:txBody>
+          <a:bodyPr vert="horz" lIns="91440" tIns="45720" rIns="91440" bIns="45720" rtlCol="0" anchor="b"/>
+          <a:lstStyle>
+            <a:lvl1pPr algn="r">
+              <a:defRPr sz="1200"/>
+            </a:lvl1pPr>
+          </a:lstStyle>
+          <a:p>
+            <a:fld id="{CF5A9855-4439-4C72-BEB0-3692628BCCCC}" type="slidenum">
+              <a:rPr lang="fr-FR" smtClean="0"/>
+              <a:t>‹#›</a:t>
+            </a:fld>
+            <a:endParaRPr lang="fr-FR"/>
+          </a:p>
+        </p:txBody>
+      </p:sp>
+    </p:spTree>
+    <p:extLst>
+      <p:ext uri="{BB962C8B-B14F-4D97-AF65-F5344CB8AC3E}">
+        <p14:creationId xmlns:p14="http://schemas.microsoft.com/office/powerpoint/2010/main" val="731173065"/>
+      </p:ext>
+    </p:extLst>
+  </p:cSld>
+  <p:clrMap bg1="lt1" tx1="dk1" bg2="lt2" tx2="dk2" accent1="accent1" accent2="accent2" accent3="accent3" accent4="accent4" accent5="accent5" accent6="accent6" hlink="hlink" folHlink="folHlink"/>
+  <p:hf hdr="0" dt="0"/>
+</p:handoutMaster>
+</file>
+
+<file path=ppt/notesMasters/notesMaster1.xml><?xml version="1.0" encoding="utf-8"?>
+<p:notesMaster xmlns:a="http://schemas.openxmlformats.org/drawingml/2006/main" xmlns:r="http://schemas.openxmlformats.org/officeDocument/2006/relationships" xmlns:p="http://schemas.openxmlformats.org/presentationml/2006/main">
+  <p:cSld>
+    <p:bg>
+      <p:bgRef idx="1001">
+        <a:schemeClr val="bg1"/>
+      </p:bgRef>
+    </p:bg>
+    <p:spTree>
+      <p:nvGrpSpPr>
+        <p:cNvPr id="1" name=""/>
+        <p:cNvGrpSpPr/>
+        <p:nvPr/>
+      </p:nvGrpSpPr>
+      <p:grpSpPr>
+        <a:xfrm>
+          <a:off x="0" y="0"/>
+          <a:ext cx="0" cy="0"/>
+          <a:chOff x="0" y="0"/>
+          <a:chExt cx="0" cy="0"/>
+        </a:xfrm>
+      </p:grpSpPr>
+      <p:sp>
+        <p:nvSpPr>
+          <p:cNvPr id="2" name="Header Placeholder 1"/>
+          <p:cNvSpPr>
+            <a:spLocks noGrp="1"/>
+          </p:cNvSpPr>
+          <p:nvPr>
+            <p:ph type="hdr" sz="quarter"/>
+          </p:nvPr>
+        </p:nvSpPr>
+        <p:spPr>
+          <a:xfrm>
+            <a:off x="0" y="0"/>
+            <a:ext cx="2971800" cy="458788"/>
+          </a:xfrm>
+          <a:prstGeom prst="rect">
+            <a:avLst/>
+          </a:prstGeom>
+        </p:spPr>
+        <p:txBody>
+          <a:bodyPr vert="horz" lIns="91440" tIns="45720" rIns="91440" bIns="45720" rtlCol="0"/>
+          <a:lstStyle>
+            <a:lvl1pPr algn="l">
+              <a:defRPr sz="1200"/>
+            </a:lvl1pPr>
+          </a:lstStyle>
+          <a:p>
+            <a:endParaRPr lang="fr-FR"/>
+          </a:p>
+        </p:txBody>
+      </p:sp>
+      <p:sp>
+        <p:nvSpPr>
+          <p:cNvPr id="3" name="Date Placeholder 2"/>
+          <p:cNvSpPr>
+            <a:spLocks noGrp="1"/>
+          </p:cNvSpPr>
+          <p:nvPr>
+            <p:ph type="dt" idx="1"/>
+          </p:nvPr>
+        </p:nvSpPr>
+        <p:spPr>
+          <a:xfrm>
+            <a:off x="3884613" y="0"/>
+            <a:ext cx="2971800" cy="458788"/>
+          </a:xfrm>
+          <a:prstGeom prst="rect">
+            <a:avLst/>
+          </a:prstGeom>
+        </p:spPr>
+        <p:txBody>
+          <a:bodyPr vert="horz" lIns="91440" tIns="45720" rIns="91440" bIns="45720" rtlCol="0"/>
+          <a:lstStyle>
+            <a:lvl1pPr algn="r">
+              <a:defRPr sz="1200"/>
+            </a:lvl1pPr>
+          </a:lstStyle>
+          <a:p>
+            <a:fld id="{F7592B8B-5B38-4118-B9AF-6DF3F15DD9C4}" type="datetimeFigureOut">
+              <a:rPr lang="fr-FR" smtClean="0"/>
+              <a:t>13/01/2023</a:t>
+            </a:fld>
+            <a:endParaRPr lang="fr-FR"/>
+          </a:p>
+        </p:txBody>
+      </p:sp>
+      <p:sp>
+        <p:nvSpPr>
+          <p:cNvPr id="4" name="Slide Image Placeholder 3"/>
+          <p:cNvSpPr>
+            <a:spLocks noGrp="1" noRot="1" noChangeAspect="1"/>
+          </p:cNvSpPr>
+          <p:nvPr>
+            <p:ph type="sldImg" idx="2"/>
+          </p:nvPr>
+        </p:nvSpPr>
+        <p:spPr>
+          <a:xfrm>
+            <a:off x="685800" y="1143000"/>
+            <a:ext cx="5486400" cy="3086100"/>
+          </a:xfrm>
+          <a:prstGeom prst="rect">
+            <a:avLst/>
+          </a:prstGeom>
+          <a:noFill/>
+          <a:ln w="12700">
+            <a:solidFill>
+              <a:prstClr val="black"/>
+            </a:solidFill>
+          </a:ln>
+        </p:spPr>
+        <p:txBody>
+          <a:bodyPr vert="horz" lIns="91440" tIns="45720" rIns="91440" bIns="45720" rtlCol="0" anchor="ctr"/>
+          <a:lstStyle/>
+          <a:p>
+            <a:endParaRPr lang="fr-FR"/>
+          </a:p>
+        </p:txBody>
+      </p:sp>
+      <p:sp>
+        <p:nvSpPr>
+          <p:cNvPr id="5" name="Notes Placeholder 4"/>
+          <p:cNvSpPr>
+            <a:spLocks noGrp="1"/>
+          </p:cNvSpPr>
+          <p:nvPr>
+            <p:ph type="body" sz="quarter" idx="3"/>
+          </p:nvPr>
+        </p:nvSpPr>
+        <p:spPr>
+          <a:xfrm>
+            <a:off x="685800" y="4400550"/>
+            <a:ext cx="5486400" cy="3600450"/>
+          </a:xfrm>
+          <a:prstGeom prst="rect">
+            <a:avLst/>
+          </a:prstGeom>
+        </p:spPr>
+        <p:txBody>
+          <a:bodyPr vert="horz" lIns="91440" tIns="45720" rIns="91440" bIns="45720" rtlCol="0"/>
+          <a:lstStyle/>
+          <a:p>
+            <a:pPr lvl="0"/>
+            <a:r>
+              <a:rPr lang="en-US"/>
+              <a:t>Click to edit Master text styles</a:t>
+            </a:r>
+          </a:p>
+          <a:p>
+            <a:pPr lvl="1"/>
+            <a:r>
+              <a:rPr lang="en-US"/>
+              <a:t>Second level</a:t>
+            </a:r>
+          </a:p>
+          <a:p>
+            <a:pPr lvl="2"/>
+            <a:r>
+              <a:rPr lang="en-US"/>
+              <a:t>Third level</a:t>
+            </a:r>
+          </a:p>
+          <a:p>
+            <a:pPr lvl="3"/>
+            <a:r>
+              <a:rPr lang="en-US"/>
+              <a:t>Fourth level</a:t>
+            </a:r>
+          </a:p>
+          <a:p>
+            <a:pPr lvl="4"/>
+            <a:r>
+              <a:rPr lang="en-US"/>
+              <a:t>Fifth level</a:t>
+            </a:r>
+            <a:endParaRPr lang="fr-FR"/>
+          </a:p>
+        </p:txBody>
+      </p:sp>
+      <p:sp>
+        <p:nvSpPr>
+          <p:cNvPr id="6" name="Footer Placeholder 5"/>
+          <p:cNvSpPr>
+            <a:spLocks noGrp="1"/>
+          </p:cNvSpPr>
+          <p:nvPr>
+            <p:ph type="ftr" sz="quarter" idx="4"/>
+          </p:nvPr>
+        </p:nvSpPr>
+        <p:spPr>
+          <a:xfrm>
+            <a:off x="0" y="8685213"/>
+            <a:ext cx="2971800" cy="458787"/>
+          </a:xfrm>
+          <a:prstGeom prst="rect">
+            <a:avLst/>
+          </a:prstGeom>
+        </p:spPr>
+        <p:txBody>
+          <a:bodyPr vert="horz" lIns="91440" tIns="45720" rIns="91440" bIns="45720" rtlCol="0" anchor="b"/>
+          <a:lstStyle>
+            <a:lvl1pPr algn="l">
+              <a:defRPr sz="1200"/>
+            </a:lvl1pPr>
+          </a:lstStyle>
+          <a:p>
+            <a:endParaRPr lang="fr-FR"/>
+          </a:p>
+        </p:txBody>
+      </p:sp>
+      <p:sp>
+        <p:nvSpPr>
+          <p:cNvPr id="7" name="Slide Number Placeholder 6"/>
+          <p:cNvSpPr>
+            <a:spLocks noGrp="1"/>
+          </p:cNvSpPr>
+          <p:nvPr>
+            <p:ph type="sldNum" sz="quarter" idx="5"/>
+          </p:nvPr>
+        </p:nvSpPr>
+        <p:spPr>
+          <a:xfrm>
+            <a:off x="3884613" y="8685213"/>
+            <a:ext cx="2971800" cy="458787"/>
+          </a:xfrm>
+          <a:prstGeom prst="rect">
+            <a:avLst/>
+          </a:prstGeom>
+        </p:spPr>
+        <p:txBody>
+          <a:bodyPr vert="horz" lIns="91440" tIns="45720" rIns="91440" bIns="45720" rtlCol="0" anchor="b"/>
+          <a:lstStyle>
+            <a:lvl1pPr algn="r">
+              <a:defRPr sz="1200"/>
+            </a:lvl1pPr>
+          </a:lstStyle>
+          <a:p>
+            <a:fld id="{8026490C-305F-4F2B-AD04-8FC5D5428C49}" type="slidenum">
+              <a:rPr lang="fr-FR" smtClean="0"/>
+              <a:t>‹#›</a:t>
+            </a:fld>
+            <a:endParaRPr lang="fr-FR"/>
+          </a:p>
+        </p:txBody>
+      </p:sp>
+    </p:spTree>
+    <p:extLst>
+      <p:ext uri="{BB962C8B-B14F-4D97-AF65-F5344CB8AC3E}">
+        <p14:creationId xmlns:p14="http://schemas.microsoft.com/office/powerpoint/2010/main" val="1154057444"/>
+      </p:ext>
+    </p:extLst>
+  </p:cSld>
+  <p:clrMap bg1="lt1" tx1="dk1" bg2="lt2" tx2="dk2" accent1="accent1" accent2="accent2" accent3="accent3" accent4="accent4" accent5="accent5" accent6="accent6" hlink="hlink" folHlink="folHlink"/>
+  <p:hf hdr="0" dt="0"/>
+  <p:notesStyle>
+    <a:lvl1pPr marL="0" algn="l" defTabSz="914400" rtl="0" eaLnBrk="1" latinLnBrk="0" hangingPunct="1">
+      <a:defRPr sz="1200" kern="1200">
+        <a:solidFill>
+          <a:schemeClr val="tx1"/>
+        </a:solidFill>
+        <a:latin typeface="+mn-lt"/>
+        <a:ea typeface="+mn-ea"/>
+        <a:cs typeface="+mn-cs"/>
+      </a:defRPr>
+    </a:lvl1pPr>
+    <a:lvl2pPr marL="457200" algn="l" defTabSz="914400" rtl="0" eaLnBrk="1" latinLnBrk="0" hangingPunct="1">
+      <a:defRPr sz="1200" kern="1200">
+        <a:solidFill>
+          <a:schemeClr val="tx1"/>
+        </a:solidFill>
+        <a:latin typeface="+mn-lt"/>
+        <a:ea typeface="+mn-ea"/>
+        <a:cs typeface="+mn-cs"/>
+      </a:defRPr>
+    </a:lvl2pPr>
+    <a:lvl3pPr marL="914400" algn="l" defTabSz="914400" rtl="0" eaLnBrk="1" latinLnBrk="0" hangingPunct="1">
+      <a:defRPr sz="1200" kern="1200">
+        <a:solidFill>
+          <a:schemeClr val="tx1"/>
+        </a:solidFill>
+        <a:latin typeface="+mn-lt"/>
+        <a:ea typeface="+mn-ea"/>
+        <a:cs typeface="+mn-cs"/>
+      </a:defRPr>
+    </a:lvl3pPr>
+    <a:lvl4pPr marL="1371600" algn="l" defTabSz="914400" rtl="0" eaLnBrk="1" latinLnBrk="0" hangingPunct="1">
+      <a:defRPr sz="1200" kern="1200">
+        <a:solidFill>
+          <a:schemeClr val="tx1"/>
+        </a:solidFill>
+        <a:latin typeface="+mn-lt"/>
+        <a:ea typeface="+mn-ea"/>
+        <a:cs typeface="+mn-cs"/>
+      </a:defRPr>
+    </a:lvl4pPr>
+    <a:lvl5pPr marL="1828800" algn="l" defTabSz="914400" rtl="0" eaLnBrk="1" latinLnBrk="0" hangingPunct="1">
+      <a:defRPr sz="1200" kern="1200">
+        <a:solidFill>
+          <a:schemeClr val="tx1"/>
+        </a:solidFill>
+        <a:latin typeface="+mn-lt"/>
+        <a:ea typeface="+mn-ea"/>
+        <a:cs typeface="+mn-cs"/>
+      </a:defRPr>
+    </a:lvl5pPr>
+    <a:lvl6pPr marL="2286000" algn="l" defTabSz="914400" rtl="0" eaLnBrk="1" latinLnBrk="0" hangingPunct="1">
+      <a:defRPr sz="1200" kern="1200">
+        <a:solidFill>
+          <a:schemeClr val="tx1"/>
+        </a:solidFill>
+        <a:latin typeface="+mn-lt"/>
+        <a:ea typeface="+mn-ea"/>
+        <a:cs typeface="+mn-cs"/>
+      </a:defRPr>
+    </a:lvl6pPr>
+    <a:lvl7pPr marL="2743200" algn="l" defTabSz="914400" rtl="0" eaLnBrk="1" latinLnBrk="0" hangingPunct="1">
+      <a:defRPr sz="1200" kern="1200">
+        <a:solidFill>
+          <a:schemeClr val="tx1"/>
+        </a:solidFill>
+        <a:latin typeface="+mn-lt"/>
+        <a:ea typeface="+mn-ea"/>
+        <a:cs typeface="+mn-cs"/>
+      </a:defRPr>
+    </a:lvl7pPr>
+    <a:lvl8pPr marL="3200400" algn="l" defTabSz="914400" rtl="0" eaLnBrk="1" latinLnBrk="0" hangingPunct="1">
+      <a:defRPr sz="1200" kern="1200">
+        <a:solidFill>
+          <a:schemeClr val="tx1"/>
+        </a:solidFill>
+        <a:latin typeface="+mn-lt"/>
+        <a:ea typeface="+mn-ea"/>
+        <a:cs typeface="+mn-cs"/>
+      </a:defRPr>
+    </a:lvl8pPr>
+    <a:lvl9pPr marL="3657600" algn="l" defTabSz="914400" rtl="0" eaLnBrk="1" latinLnBrk="0" hangingPunct="1">
+      <a:defRPr sz="1200" kern="1200">
+        <a:solidFill>
+          <a:schemeClr val="tx1"/>
+        </a:solidFill>
+        <a:latin typeface="+mn-lt"/>
+        <a:ea typeface="+mn-ea"/>
+        <a:cs typeface="+mn-cs"/>
+      </a:defRPr>
+    </a:lvl9pPr>
+  </p:notesStyle>
+</p:notesMaster>
 </file>
 
 <file path=ppt/slideLayouts/slideLayout1.xml><?xml version="1.0" encoding="utf-8"?>
@@ -422,7 +972,7 @@
             </a:lvl1pPr>
           </a:lstStyle>
           <a:p>
-            <a:fld id="{12241623-A064-4BED-B073-BA4D61433402}" type="datetime1">
+            <a:fld id="{2126169D-C893-47F6-879A-91E3A649B478}" type="datetime1">
               <a:rPr lang="en-US" smtClean="0"/>
               <a:t>1/13/2023</a:t>
             </a:fld>
@@ -493,7 +1043,7 @@
             <a:fld id="{FAEF9944-A4F6-4C59-AEBD-678D6480B8EA}" type="slidenum">
               <a:rPr lang="en-US" smtClean="0"/>
               <a:pPr/>
-              <a:t>‹N°›</a:t>
+              <a:t>‹#›</a:t>
             </a:fld>
             <a:endParaRPr lang="en-US" dirty="0"/>
           </a:p>
@@ -1233,7 +1783,7 @@
           <a:bodyPr/>
           <a:lstStyle/>
           <a:p>
-            <a:fld id="{6F86ED0C-1DA7-41F0-94CF-6218B1FEDFF1}" type="datetime1">
+            <a:fld id="{96DB582E-C41C-41D7-9734-1CDC9DC20EF0}" type="datetime1">
               <a:rPr lang="en-US" smtClean="0"/>
               <a:t>1/13/2023</a:t>
             </a:fld>
@@ -1291,7 +1841,7 @@
             <a:fld id="{FAEF9944-A4F6-4C59-AEBD-678D6480B8EA}" type="slidenum">
               <a:rPr lang="en-US" smtClean="0"/>
               <a:pPr algn="l"/>
-              <a:t>‹N°›</a:t>
+              <a:t>‹#›</a:t>
             </a:fld>
             <a:endParaRPr lang="en-US" dirty="0"/>
           </a:p>
@@ -1432,7 +1982,7 @@
           <a:bodyPr/>
           <a:lstStyle/>
           <a:p>
-            <a:fld id="{EECF02AB-6034-4B88-BC5A-7C17CB0EF809}" type="datetime1">
+            <a:fld id="{BDF9FE8A-9F67-4BC1-87D4-9404F5D351F4}" type="datetime1">
               <a:rPr lang="en-US" smtClean="0"/>
               <a:t>1/13/2023</a:t>
             </a:fld>
@@ -1491,7 +2041,7 @@
             <a:fld id="{FAEF9944-A4F6-4C59-AEBD-678D6480B8EA}" type="slidenum">
               <a:rPr lang="en-US" smtClean="0"/>
               <a:pPr/>
-              <a:t>‹N°›</a:t>
+              <a:t>‹#›</a:t>
             </a:fld>
             <a:endParaRPr lang="en-US" dirty="0"/>
           </a:p>
@@ -1667,7 +2217,7 @@
           <a:bodyPr/>
           <a:lstStyle/>
           <a:p>
-            <a:fld id="{22F3E5F3-28EE-488F-BD53-B744C06C3DEC}" type="datetime1">
+            <a:fld id="{71ECDAB3-B596-44E8-B496-72A21DF5BB35}" type="datetime1">
               <a:rPr lang="en-US" smtClean="0"/>
               <a:t>1/13/2023</a:t>
             </a:fld>
@@ -1725,7 +2275,7 @@
             <a:fld id="{FAEF9944-A4F6-4C59-AEBD-678D6480B8EA}" type="slidenum">
               <a:rPr lang="en-US" smtClean="0"/>
               <a:pPr algn="l"/>
-              <a:t>‹N°›</a:t>
+              <a:t>‹#›</a:t>
             </a:fld>
             <a:endParaRPr lang="en-US" dirty="0"/>
           </a:p>
@@ -4196,7 +4746,7 @@
             <a:fld id="{FAEF9944-A4F6-4C59-AEBD-678D6480B8EA}" type="slidenum">
               <a:rPr lang="en-US" smtClean="0"/>
               <a:pPr algn="l"/>
-              <a:t>‹N°›</a:t>
+              <a:t>‹#›</a:t>
             </a:fld>
             <a:endParaRPr lang="en-US" dirty="0"/>
           </a:p>
@@ -4360,7 +4910,7 @@
             </a:lvl1pPr>
           </a:lstStyle>
           <a:p>
-            <a:fld id="{E72EB70D-CD01-44DA-83B3-8FEB3383D307}" type="datetime1">
+            <a:fld id="{DF5B6525-E445-4C52-BB7E-4013B1C00E45}" type="datetime1">
               <a:rPr lang="en-US" smtClean="0"/>
               <a:t>1/13/2023</a:t>
             </a:fld>
@@ -4556,7 +5106,7 @@
           <a:bodyPr/>
           <a:lstStyle/>
           <a:p>
-            <a:fld id="{D0158CFD-9357-46BE-A189-D637A67C8730}" type="datetime1">
+            <a:fld id="{20F9947E-C49B-48EF-9381-B535D796E3BC}" type="datetime1">
               <a:rPr lang="en-US" smtClean="0"/>
               <a:t>1/13/2023</a:t>
             </a:fld>
@@ -4614,7 +5164,7 @@
             <a:fld id="{FAEF9944-A4F6-4C59-AEBD-678D6480B8EA}" type="slidenum">
               <a:rPr lang="en-US" smtClean="0"/>
               <a:pPr algn="l"/>
-              <a:t>‹N°›</a:t>
+              <a:t>‹#›</a:t>
             </a:fld>
             <a:endParaRPr lang="en-US" dirty="0"/>
           </a:p>
@@ -4945,7 +5495,7 @@
           <a:bodyPr/>
           <a:lstStyle/>
           <a:p>
-            <a:fld id="{7B4742EE-B331-4632-BD10-A82FED6B6FC0}" type="datetime1">
+            <a:fld id="{175D55D1-87B4-43BB-8B1C-DBC7C12859F0}" type="datetime1">
               <a:rPr lang="en-US" smtClean="0"/>
               <a:t>1/13/2023</a:t>
             </a:fld>
@@ -5003,7 +5553,7 @@
             <a:fld id="{FAEF9944-A4F6-4C59-AEBD-678D6480B8EA}" type="slidenum">
               <a:rPr lang="en-US" smtClean="0"/>
               <a:pPr algn="l"/>
-              <a:t>‹N°›</a:t>
+              <a:t>‹#›</a:t>
             </a:fld>
             <a:endParaRPr lang="en-US" dirty="0"/>
           </a:p>
@@ -5111,7 +5661,7 @@
           <a:bodyPr/>
           <a:lstStyle/>
           <a:p>
-            <a:fld id="{451BA835-D13F-49F4-8F11-5D576AC65FAD}" type="datetime1">
+            <a:fld id="{4C510077-8625-4E85-BFB7-06A9702BF015}" type="datetime1">
               <a:rPr lang="en-US" smtClean="0"/>
               <a:t>1/13/2023</a:t>
             </a:fld>
@@ -5169,7 +5719,7 @@
             <a:fld id="{FAEF9944-A4F6-4C59-AEBD-678D6480B8EA}" type="slidenum">
               <a:rPr lang="en-US" smtClean="0"/>
               <a:pPr algn="l"/>
-              <a:t>‹N°›</a:t>
+              <a:t>‹#›</a:t>
             </a:fld>
             <a:endParaRPr lang="en-US" dirty="0"/>
           </a:p>
@@ -5234,7 +5784,7 @@
           <a:bodyPr/>
           <a:lstStyle/>
           <a:p>
-            <a:fld id="{ADBD1799-ACB5-4CB2-86A2-5C574F1C8706}" type="datetime1">
+            <a:fld id="{93792C31-AA5D-4A7C-9972-BD07378B7129}" type="datetime1">
               <a:rPr lang="en-US" smtClean="0"/>
               <a:t>1/13/2023</a:t>
             </a:fld>
@@ -5292,7 +5842,7 @@
             <a:fld id="{FAEF9944-A4F6-4C59-AEBD-678D6480B8EA}" type="slidenum">
               <a:rPr lang="en-US" smtClean="0"/>
               <a:pPr algn="l"/>
-              <a:t>‹N°›</a:t>
+              <a:t>‹#›</a:t>
             </a:fld>
             <a:endParaRPr lang="en-US" dirty="0"/>
           </a:p>
@@ -5544,7 +6094,7 @@
           <a:bodyPr/>
           <a:lstStyle/>
           <a:p>
-            <a:fld id="{ED5DD0D6-7A82-473E-879B-C6ECD6CCCFEC}" type="datetime1">
+            <a:fld id="{280AAB7F-01E6-4FB6-A7C6-06B789938377}" type="datetime1">
               <a:rPr lang="en-US" smtClean="0"/>
               <a:t>1/13/2023</a:t>
             </a:fld>
@@ -5607,7 +6157,7 @@
             <a:fld id="{FAEF9944-A4F6-4C59-AEBD-678D6480B8EA}" type="slidenum">
               <a:rPr lang="en-US" smtClean="0"/>
               <a:pPr algn="l"/>
-              <a:t>‹N°›</a:t>
+              <a:t>‹#›</a:t>
             </a:fld>
             <a:endParaRPr lang="en-US" dirty="0"/>
           </a:p>
@@ -5844,7 +6394,7 @@
           <a:bodyPr/>
           <a:lstStyle/>
           <a:p>
-            <a:fld id="{D4605E03-BC17-41A7-854C-DFAB672737DC}" type="datetime1">
+            <a:fld id="{E26418C4-93FF-4E62-B031-783EDC1693C5}" type="datetime1">
               <a:rPr lang="en-US" smtClean="0"/>
               <a:t>1/13/2023</a:t>
             </a:fld>
@@ -5922,7 +6472,7 @@
             <a:fld id="{FAEF9944-A4F6-4C59-AEBD-678D6480B8EA}" type="slidenum">
               <a:rPr lang="en-US" smtClean="0"/>
               <a:pPr algn="l"/>
-              <a:t>‹N°›</a:t>
+              <a:t>‹#›</a:t>
             </a:fld>
             <a:endParaRPr lang="en-US" dirty="0"/>
           </a:p>
@@ -6096,7 +6646,7 @@
             </a:lvl1pPr>
           </a:lstStyle>
           <a:p>
-            <a:fld id="{C4408324-A84C-4A45-93B6-78D079CCE772}" type="datetime1">
+            <a:fld id="{8B32DEAB-9C1B-4581-8623-EB964151AF07}" type="datetime1">
               <a:rPr lang="en-US" smtClean="0"/>
               <a:t>1/13/2023</a:t>
             </a:fld>
@@ -6182,7 +6732,7 @@
             <a:fld id="{FAEF9944-A4F6-4C59-AEBD-678D6480B8EA}" type="slidenum">
               <a:rPr lang="en-US" smtClean="0"/>
               <a:pPr algn="l"/>
-              <a:t>‹N°›</a:t>
+              <a:t>‹#›</a:t>
             </a:fld>
             <a:endParaRPr lang="en-US" dirty="0"/>
           </a:p>
@@ -6253,7 +6803,7 @@
     <p:sldLayoutId id="2147483662" r:id="rId10"/>
     <p:sldLayoutId id="2147483661" r:id="rId11"/>
   </p:sldLayoutIdLst>
-  <p:hf sldNum="0" hdr="0" ftr="0" dt="0"/>
+  <p:hf hdr="0" ftr="0" dt="0"/>
   <p:txStyles>
     <p:titleStyle>
       <a:lvl1pPr algn="l" defTabSz="914400" rtl="0" eaLnBrk="1" latinLnBrk="0" hangingPunct="1">
@@ -7438,6 +7988,36 @@
           </a:prstGeom>
         </p:spPr>
       </p:pic>
+      <p:sp>
+        <p:nvSpPr>
+          <p:cNvPr id="2" name="Slide Number Placeholder 1">
+            <a:extLst>
+              <a:ext uri="{FF2B5EF4-FFF2-40B4-BE49-F238E27FC236}">
+                <a16:creationId xmlns:a16="http://schemas.microsoft.com/office/drawing/2014/main" id="{4F7D58C8-5AB0-79DA-82C5-D25B404F3CDF}"/>
+              </a:ext>
+            </a:extLst>
+          </p:cNvPr>
+          <p:cNvSpPr>
+            <a:spLocks noGrp="1"/>
+          </p:cNvSpPr>
+          <p:nvPr>
+            <p:ph type="sldNum" sz="quarter" idx="12"/>
+          </p:nvPr>
+        </p:nvSpPr>
+        <p:spPr/>
+        <p:txBody>
+          <a:bodyPr/>
+          <a:lstStyle/>
+          <a:p>
+            <a:fld id="{FAEF9944-A4F6-4C59-AEBD-678D6480B8EA}" type="slidenum">
+              <a:rPr lang="en-US" smtClean="0"/>
+              <a:pPr/>
+              <a:t>1</a:t>
+            </a:fld>
+            <a:endParaRPr lang="en-US" dirty="0"/>
+          </a:p>
+        </p:txBody>
+      </p:sp>
     </p:spTree>
     <p:extLst>
       <p:ext uri="{BB962C8B-B14F-4D97-AF65-F5344CB8AC3E}">
@@ -7624,6 +8204,37 @@
           </a:prstGeom>
         </p:spPr>
       </p:pic>
+      <p:sp>
+        <p:nvSpPr>
+          <p:cNvPr id="3" name="Slide Number Placeholder 2">
+            <a:extLst>
+              <a:ext uri="{FF2B5EF4-FFF2-40B4-BE49-F238E27FC236}">
+                <a16:creationId xmlns:a16="http://schemas.microsoft.com/office/drawing/2014/main" id="{40FACA87-6B1A-73EA-1264-C42A6C89C891}"/>
+              </a:ext>
+            </a:extLst>
+          </p:cNvPr>
+          <p:cNvSpPr>
+            <a:spLocks noGrp="1"/>
+          </p:cNvSpPr>
+          <p:nvPr>
+            <p:ph type="sldNum" sz="quarter" idx="12"/>
+          </p:nvPr>
+        </p:nvSpPr>
+        <p:spPr/>
+        <p:txBody>
+          <a:bodyPr/>
+          <a:lstStyle/>
+          <a:p>
+            <a:pPr algn="l"/>
+            <a:fld id="{FAEF9944-A4F6-4C59-AEBD-678D6480B8EA}" type="slidenum">
+              <a:rPr lang="en-US" smtClean="0"/>
+              <a:pPr algn="l"/>
+              <a:t>2</a:t>
+            </a:fld>
+            <a:endParaRPr lang="en-US" dirty="0"/>
+          </a:p>
+        </p:txBody>
+      </p:sp>
     </p:spTree>
     <p:extLst>
       <p:ext uri="{BB962C8B-B14F-4D97-AF65-F5344CB8AC3E}">
@@ -7789,6 +8400,50 @@
           </a:p>
         </p:txBody>
       </p:sp>
+      <p:sp>
+        <p:nvSpPr>
+          <p:cNvPr id="4" name="Slide Number Placeholder 3">
+            <a:extLst>
+              <a:ext uri="{FF2B5EF4-FFF2-40B4-BE49-F238E27FC236}">
+                <a16:creationId xmlns:a16="http://schemas.microsoft.com/office/drawing/2014/main" id="{996629AC-31B1-A855-F155-1A32CE6969D6}"/>
+              </a:ext>
+            </a:extLst>
+          </p:cNvPr>
+          <p:cNvSpPr>
+            <a:spLocks noGrp="1"/>
+          </p:cNvSpPr>
+          <p:nvPr>
+            <p:ph type="sldNum" sz="quarter" idx="12"/>
+          </p:nvPr>
+        </p:nvSpPr>
+        <p:spPr>
+          <a:xfrm>
+            <a:off x="10853744" y="6170490"/>
+            <a:ext cx="1188720" cy="457200"/>
+          </a:xfrm>
+        </p:spPr>
+        <p:txBody>
+          <a:bodyPr/>
+          <a:lstStyle/>
+          <a:p>
+            <a:pPr algn="l"/>
+            <a:fld id="{FAEF9944-A4F6-4C59-AEBD-678D6480B8EA}" type="slidenum">
+              <a:rPr lang="en-US" smtClean="0">
+                <a:solidFill>
+                  <a:schemeClr val="bg1"/>
+                </a:solidFill>
+              </a:rPr>
+              <a:pPr algn="l"/>
+              <a:t>3</a:t>
+            </a:fld>
+            <a:endParaRPr lang="en-US" dirty="0">
+              <a:solidFill>
+                <a:schemeClr val="bg1"/>
+              </a:solidFill>
+            </a:endParaRPr>
+          </a:p>
+        </p:txBody>
+      </p:sp>
     </p:spTree>
     <p:extLst>
       <p:ext uri="{BB962C8B-B14F-4D97-AF65-F5344CB8AC3E}">
@@ -7899,7 +8554,7 @@
             </a:pPr>
             <a:r>
               <a:rPr lang="fr-FR" sz="3200" dirty="0"/>
-              <a:t>Possède rarement le jeu souhaité</a:t>
+              <a:t>Possèdent rarement le jeu souhaité</a:t>
             </a:r>
           </a:p>
           <a:p>
@@ -7909,7 +8564,7 @@
             </a:pPr>
             <a:r>
               <a:rPr lang="fr-FR" sz="3200" dirty="0"/>
-              <a:t>Certains sites possèdent des avis très négatifs</a:t>
+              <a:t>Certains sites ont des avis très négatifs</a:t>
             </a:r>
           </a:p>
         </p:txBody>
@@ -8063,6 +8718,37 @@
           </a:p>
         </p:txBody>
       </p:sp>
+      <p:sp>
+        <p:nvSpPr>
+          <p:cNvPr id="2" name="Slide Number Placeholder 1">
+            <a:extLst>
+              <a:ext uri="{FF2B5EF4-FFF2-40B4-BE49-F238E27FC236}">
+                <a16:creationId xmlns:a16="http://schemas.microsoft.com/office/drawing/2014/main" id="{52FB4D71-C722-298D-7F6F-DD2F6A380D14}"/>
+              </a:ext>
+            </a:extLst>
+          </p:cNvPr>
+          <p:cNvSpPr>
+            <a:spLocks noGrp="1"/>
+          </p:cNvSpPr>
+          <p:nvPr>
+            <p:ph type="sldNum" sz="quarter" idx="12"/>
+          </p:nvPr>
+        </p:nvSpPr>
+        <p:spPr/>
+        <p:txBody>
+          <a:bodyPr/>
+          <a:lstStyle/>
+          <a:p>
+            <a:pPr algn="l"/>
+            <a:fld id="{FAEF9944-A4F6-4C59-AEBD-678D6480B8EA}" type="slidenum">
+              <a:rPr lang="en-US" smtClean="0"/>
+              <a:pPr algn="l"/>
+              <a:t>4</a:t>
+            </a:fld>
+            <a:endParaRPr lang="en-US" dirty="0"/>
+          </a:p>
+        </p:txBody>
+      </p:sp>
     </p:spTree>
     <p:extLst>
       <p:ext uri="{BB962C8B-B14F-4D97-AF65-F5344CB8AC3E}">
@@ -8300,6 +8986,37 @@
           </a:extLst>
         </p:spPr>
       </p:pic>
+      <p:sp>
+        <p:nvSpPr>
+          <p:cNvPr id="2" name="Slide Number Placeholder 1">
+            <a:extLst>
+              <a:ext uri="{FF2B5EF4-FFF2-40B4-BE49-F238E27FC236}">
+                <a16:creationId xmlns:a16="http://schemas.microsoft.com/office/drawing/2014/main" id="{780240FA-C3AF-7699-D109-4F8F959855F2}"/>
+              </a:ext>
+            </a:extLst>
+          </p:cNvPr>
+          <p:cNvSpPr>
+            <a:spLocks noGrp="1"/>
+          </p:cNvSpPr>
+          <p:nvPr>
+            <p:ph type="sldNum" sz="quarter" idx="12"/>
+          </p:nvPr>
+        </p:nvSpPr>
+        <p:spPr/>
+        <p:txBody>
+          <a:bodyPr/>
+          <a:lstStyle/>
+          <a:p>
+            <a:pPr algn="l"/>
+            <a:fld id="{FAEF9944-A4F6-4C59-AEBD-678D6480B8EA}" type="slidenum">
+              <a:rPr lang="en-US" smtClean="0"/>
+              <a:pPr algn="l"/>
+              <a:t>5</a:t>
+            </a:fld>
+            <a:endParaRPr lang="en-US" dirty="0"/>
+          </a:p>
+        </p:txBody>
+      </p:sp>
     </p:spTree>
     <p:extLst>
       <p:ext uri="{BB962C8B-B14F-4D97-AF65-F5344CB8AC3E}">
@@ -9114,7 +9831,7 @@
                   <a:schemeClr val="bg1"/>
                 </a:solidFill>
               </a:rPr>
-              <a:t>Plateforme principale que nous allons scrappez</a:t>
+              <a:t>Plateformes principales que nous avons scrappé</a:t>
             </a:r>
           </a:p>
         </p:txBody>
@@ -9154,10 +9871,640 @@
           </a:prstGeom>
         </p:spPr>
       </p:pic>
+      <p:sp>
+        <p:nvSpPr>
+          <p:cNvPr id="2" name="Slide Number Placeholder 1">
+            <a:extLst>
+              <a:ext uri="{FF2B5EF4-FFF2-40B4-BE49-F238E27FC236}">
+                <a16:creationId xmlns:a16="http://schemas.microsoft.com/office/drawing/2014/main" id="{FE62D155-91EF-AF48-85D4-1A245F923451}"/>
+              </a:ext>
+            </a:extLst>
+          </p:cNvPr>
+          <p:cNvSpPr>
+            <a:spLocks noGrp="1"/>
+          </p:cNvSpPr>
+          <p:nvPr>
+            <p:ph type="sldNum" sz="quarter" idx="12"/>
+          </p:nvPr>
+        </p:nvSpPr>
+        <p:spPr/>
+        <p:txBody>
+          <a:bodyPr/>
+          <a:lstStyle/>
+          <a:p>
+            <a:pPr algn="l"/>
+            <a:fld id="{FAEF9944-A4F6-4C59-AEBD-678D6480B8EA}" type="slidenum">
+              <a:rPr lang="en-US" smtClean="0">
+                <a:solidFill>
+                  <a:schemeClr val="bg1"/>
+                </a:solidFill>
+              </a:rPr>
+              <a:pPr algn="l"/>
+              <a:t>6</a:t>
+            </a:fld>
+            <a:endParaRPr lang="en-US" dirty="0">
+              <a:solidFill>
+                <a:schemeClr val="bg1"/>
+              </a:solidFill>
+            </a:endParaRPr>
+          </a:p>
+        </p:txBody>
+      </p:sp>
     </p:spTree>
     <p:extLst>
       <p:ext uri="{BB962C8B-B14F-4D97-AF65-F5344CB8AC3E}">
         <p14:creationId xmlns:p14="http://schemas.microsoft.com/office/powerpoint/2010/main" val="437855832"/>
+      </p:ext>
+    </p:extLst>
+  </p:cSld>
+  <p:clrMapOvr>
+    <a:masterClrMapping/>
+  </p:clrMapOvr>
+</p:sld>
+</file>
+
+<file path=ppt/slides/slide7.xml><?xml version="1.0" encoding="utf-8"?>
+<p:sld xmlns:a="http://schemas.openxmlformats.org/drawingml/2006/main" xmlns:r="http://schemas.openxmlformats.org/officeDocument/2006/relationships" xmlns:p="http://schemas.openxmlformats.org/presentationml/2006/main">
+  <p:cSld>
+    <p:spTree>
+      <p:nvGrpSpPr>
+        <p:cNvPr id="1" name=""/>
+        <p:cNvGrpSpPr/>
+        <p:nvPr/>
+      </p:nvGrpSpPr>
+      <p:grpSpPr>
+        <a:xfrm>
+          <a:off x="0" y="0"/>
+          <a:ext cx="0" cy="0"/>
+          <a:chOff x="0" y="0"/>
+          <a:chExt cx="0" cy="0"/>
+        </a:xfrm>
+      </p:grpSpPr>
+      <p:sp>
+        <p:nvSpPr>
+          <p:cNvPr id="3" name="ZoneTexte 2">
+            <a:extLst>
+              <a:ext uri="{FF2B5EF4-FFF2-40B4-BE49-F238E27FC236}">
+                <a16:creationId xmlns:a16="http://schemas.microsoft.com/office/drawing/2014/main" id="{06FEBA43-FA12-4843-E85C-E2701464070A}"/>
+              </a:ext>
+            </a:extLst>
+          </p:cNvPr>
+          <p:cNvSpPr txBox="1"/>
+          <p:nvPr/>
+        </p:nvSpPr>
+        <p:spPr>
+          <a:xfrm>
+            <a:off x="2085080" y="386963"/>
+            <a:ext cx="7115175" cy="707886"/>
+          </a:xfrm>
+          <a:prstGeom prst="rect">
+            <a:avLst/>
+          </a:prstGeom>
+          <a:noFill/>
+        </p:spPr>
+        <p:txBody>
+          <a:bodyPr wrap="square" rtlCol="0">
+            <a:spAutoFit/>
+          </a:bodyPr>
+          <a:lstStyle/>
+          <a:p>
+            <a:pPr algn="ctr"/>
+            <a:r>
+              <a:rPr lang="fr-FR" sz="4000" dirty="0"/>
+              <a:t>Difficultés</a:t>
+            </a:r>
+          </a:p>
+        </p:txBody>
+      </p:sp>
+      <p:sp>
+        <p:nvSpPr>
+          <p:cNvPr id="4" name="ZoneTexte 3">
+            <a:extLst>
+              <a:ext uri="{FF2B5EF4-FFF2-40B4-BE49-F238E27FC236}">
+                <a16:creationId xmlns:a16="http://schemas.microsoft.com/office/drawing/2014/main" id="{1150EDF2-44C4-3360-D0AC-320BA3248848}"/>
+              </a:ext>
+            </a:extLst>
+          </p:cNvPr>
+          <p:cNvSpPr txBox="1"/>
+          <p:nvPr/>
+        </p:nvSpPr>
+        <p:spPr>
+          <a:xfrm>
+            <a:off x="5019091" y="1646175"/>
+            <a:ext cx="6753226" cy="4524315"/>
+          </a:xfrm>
+          <a:prstGeom prst="rect">
+            <a:avLst/>
+          </a:prstGeom>
+          <a:noFill/>
+        </p:spPr>
+        <p:txBody>
+          <a:bodyPr wrap="square" rtlCol="0">
+            <a:spAutoFit/>
+          </a:bodyPr>
+          <a:lstStyle/>
+          <a:p>
+            <a:pPr marL="285750" indent="-285750">
+              <a:buFont typeface="Wingdings" panose="05000000000000000000" pitchFamily="2" charset="2"/>
+              <a:buChar char="Ø"/>
+            </a:pPr>
+            <a:r>
+              <a:rPr lang="fr-FR" sz="2400" dirty="0"/>
+              <a:t>Protections contre le </a:t>
+            </a:r>
+            <a:r>
+              <a:rPr lang="fr-FR" sz="2400" dirty="0" err="1"/>
+              <a:t>scrapping</a:t>
+            </a:r>
+            <a:r>
+              <a:rPr lang="fr-FR" sz="2400" dirty="0"/>
+              <a:t> (classes dynamiques, fausses balises, ban automatique)</a:t>
+            </a:r>
+          </a:p>
+          <a:p>
+            <a:pPr marL="285750" indent="-285750">
+              <a:buFont typeface="Wingdings" panose="05000000000000000000" pitchFamily="2" charset="2"/>
+              <a:buChar char="Ø"/>
+            </a:pPr>
+            <a:endParaRPr lang="fr-FR" sz="2400" dirty="0"/>
+          </a:p>
+          <a:p>
+            <a:pPr marL="285750" indent="-285750">
+              <a:buFont typeface="Wingdings" panose="05000000000000000000" pitchFamily="2" charset="2"/>
+              <a:buChar char="Ø"/>
+            </a:pPr>
+            <a:r>
+              <a:rPr lang="fr-FR" sz="2400" dirty="0"/>
+              <a:t>Structures des sites différentes. L’un d’eux a même refait entièrement son site après qu’on l’ait scrappé.</a:t>
+            </a:r>
+          </a:p>
+          <a:p>
+            <a:pPr marL="285750" indent="-285750">
+              <a:buFont typeface="Wingdings" panose="05000000000000000000" pitchFamily="2" charset="2"/>
+              <a:buChar char="Ø"/>
+            </a:pPr>
+            <a:endParaRPr lang="fr-FR" sz="2400" dirty="0"/>
+          </a:p>
+          <a:p>
+            <a:pPr marL="285750" indent="-285750">
+              <a:buFont typeface="Wingdings" panose="05000000000000000000" pitchFamily="2" charset="2"/>
+              <a:buChar char="Ø"/>
+            </a:pPr>
+            <a:r>
+              <a:rPr lang="fr-FR" sz="2400" dirty="0"/>
+              <a:t>Comparer des choses comparables (même jeu, version, package)</a:t>
+            </a:r>
+          </a:p>
+          <a:p>
+            <a:pPr marL="285750" indent="-285750">
+              <a:buFont typeface="Wingdings" panose="05000000000000000000" pitchFamily="2" charset="2"/>
+              <a:buChar char="Ø"/>
+            </a:pPr>
+            <a:endParaRPr lang="fr-FR" sz="2400" dirty="0"/>
+          </a:p>
+          <a:p>
+            <a:pPr marL="285750" indent="-285750">
+              <a:buFont typeface="Wingdings" panose="05000000000000000000" pitchFamily="2" charset="2"/>
+              <a:buChar char="Ø"/>
+            </a:pPr>
+            <a:r>
+              <a:rPr lang="fr-FR" sz="2400" dirty="0"/>
+              <a:t>Configuration Django sur Windows 11</a:t>
+            </a:r>
+          </a:p>
+        </p:txBody>
+      </p:sp>
+      <p:sp>
+        <p:nvSpPr>
+          <p:cNvPr id="2" name="Slide Number Placeholder 1">
+            <a:extLst>
+              <a:ext uri="{FF2B5EF4-FFF2-40B4-BE49-F238E27FC236}">
+                <a16:creationId xmlns:a16="http://schemas.microsoft.com/office/drawing/2014/main" id="{4D9C8CB1-965E-8EF3-FFAD-95500A1F7679}"/>
+              </a:ext>
+            </a:extLst>
+          </p:cNvPr>
+          <p:cNvSpPr>
+            <a:spLocks noGrp="1"/>
+          </p:cNvSpPr>
+          <p:nvPr>
+            <p:ph type="sldNum" sz="quarter" idx="12"/>
+          </p:nvPr>
+        </p:nvSpPr>
+        <p:spPr/>
+        <p:txBody>
+          <a:bodyPr/>
+          <a:lstStyle/>
+          <a:p>
+            <a:pPr algn="l"/>
+            <a:fld id="{FAEF9944-A4F6-4C59-AEBD-678D6480B8EA}" type="slidenum">
+              <a:rPr lang="en-US" smtClean="0"/>
+              <a:pPr algn="l"/>
+              <a:t>7</a:t>
+            </a:fld>
+            <a:endParaRPr lang="en-US" dirty="0"/>
+          </a:p>
+        </p:txBody>
+      </p:sp>
+      <p:pic>
+        <p:nvPicPr>
+          <p:cNvPr id="2052" name="Picture 4" descr="Headacheconceptual Artwork3d Illustration Stock Photo - Download Image Now  - Headache, Concussion, Brain Damage - iStock">
+            <a:extLst>
+              <a:ext uri="{FF2B5EF4-FFF2-40B4-BE49-F238E27FC236}">
+                <a16:creationId xmlns:a16="http://schemas.microsoft.com/office/drawing/2014/main" id="{B46381DA-1AE0-92C3-1475-741E5293D415}"/>
+              </a:ext>
+            </a:extLst>
+          </p:cNvPr>
+          <p:cNvPicPr>
+            <a:picLocks noChangeAspect="1" noChangeArrowheads="1"/>
+          </p:cNvPicPr>
+          <p:nvPr/>
+        </p:nvPicPr>
+        <p:blipFill>
+          <a:blip r:embed="rId2">
+            <a:extLst>
+              <a:ext uri="{28A0092B-C50C-407E-A947-70E740481C1C}">
+                <a14:useLocalDpi xmlns:a14="http://schemas.microsoft.com/office/drawing/2010/main" val="0"/>
+              </a:ext>
+            </a:extLst>
+          </a:blip>
+          <a:srcRect/>
+          <a:stretch>
+            <a:fillRect/>
+          </a:stretch>
+        </p:blipFill>
+        <p:spPr bwMode="auto">
+          <a:xfrm>
+            <a:off x="142874" y="2073275"/>
+            <a:ext cx="4676775" cy="3117850"/>
+          </a:xfrm>
+          <a:prstGeom prst="rect">
+            <a:avLst/>
+          </a:prstGeom>
+          <a:noFill/>
+          <a:extLst>
+            <a:ext uri="{909E8E84-426E-40DD-AFC4-6F175D3DCCD1}">
+              <a14:hiddenFill xmlns:a14="http://schemas.microsoft.com/office/drawing/2010/main">
+                <a:solidFill>
+                  <a:srgbClr val="FFFFFF"/>
+                </a:solidFill>
+              </a14:hiddenFill>
+            </a:ext>
+          </a:extLst>
+        </p:spPr>
+      </p:pic>
+    </p:spTree>
+    <p:extLst>
+      <p:ext uri="{BB962C8B-B14F-4D97-AF65-F5344CB8AC3E}">
+        <p14:creationId xmlns:p14="http://schemas.microsoft.com/office/powerpoint/2010/main" val="4045943619"/>
+      </p:ext>
+    </p:extLst>
+  </p:cSld>
+  <p:clrMapOvr>
+    <a:masterClrMapping/>
+  </p:clrMapOvr>
+</p:sld>
+</file>
+
+<file path=ppt/slides/slide8.xml><?xml version="1.0" encoding="utf-8"?>
+<p:sld xmlns:a="http://schemas.openxmlformats.org/drawingml/2006/main" xmlns:r="http://schemas.openxmlformats.org/officeDocument/2006/relationships" xmlns:p="http://schemas.openxmlformats.org/presentationml/2006/main">
+  <p:cSld>
+    <p:spTree>
+      <p:nvGrpSpPr>
+        <p:cNvPr id="1" name=""/>
+        <p:cNvGrpSpPr/>
+        <p:nvPr/>
+      </p:nvGrpSpPr>
+      <p:grpSpPr>
+        <a:xfrm>
+          <a:off x="0" y="0"/>
+          <a:ext cx="0" cy="0"/>
+          <a:chOff x="0" y="0"/>
+          <a:chExt cx="0" cy="0"/>
+        </a:xfrm>
+      </p:grpSpPr>
+      <p:pic>
+        <p:nvPicPr>
+          <p:cNvPr id="1026" name="Picture 2" descr="Image">
+            <a:extLst>
+              <a:ext uri="{FF2B5EF4-FFF2-40B4-BE49-F238E27FC236}">
+                <a16:creationId xmlns:a16="http://schemas.microsoft.com/office/drawing/2014/main" id="{F8833FD2-57B3-0356-F192-07B541B17CF9}"/>
+              </a:ext>
+            </a:extLst>
+          </p:cNvPr>
+          <p:cNvPicPr>
+            <a:picLocks noChangeAspect="1" noChangeArrowheads="1"/>
+          </p:cNvPicPr>
+          <p:nvPr/>
+        </p:nvPicPr>
+        <p:blipFill rotWithShape="1">
+          <a:blip r:embed="rId2">
+            <a:extLst>
+              <a:ext uri="{28A0092B-C50C-407E-A947-70E740481C1C}">
+                <a14:useLocalDpi xmlns:a14="http://schemas.microsoft.com/office/drawing/2010/main" val="0"/>
+              </a:ext>
+            </a:extLst>
+          </a:blip>
+          <a:srcRect t="12241"/>
+          <a:stretch/>
+        </p:blipFill>
+        <p:spPr bwMode="auto">
+          <a:xfrm>
+            <a:off x="8110" y="1147665"/>
+            <a:ext cx="12183889" cy="5668738"/>
+          </a:xfrm>
+          <a:prstGeom prst="rect">
+            <a:avLst/>
+          </a:prstGeom>
+          <a:noFill/>
+          <a:extLst>
+            <a:ext uri="{909E8E84-426E-40DD-AFC4-6F175D3DCCD1}">
+              <a14:hiddenFill xmlns:a14="http://schemas.microsoft.com/office/drawing/2010/main">
+                <a:solidFill>
+                  <a:srgbClr val="FFFFFF"/>
+                </a:solidFill>
+              </a14:hiddenFill>
+            </a:ext>
+          </a:extLst>
+        </p:spPr>
+      </p:pic>
+      <p:sp>
+        <p:nvSpPr>
+          <p:cNvPr id="2" name="ZoneTexte 2">
+            <a:extLst>
+              <a:ext uri="{FF2B5EF4-FFF2-40B4-BE49-F238E27FC236}">
+                <a16:creationId xmlns:a16="http://schemas.microsoft.com/office/drawing/2014/main" id="{BBA97054-A695-DABF-820C-F40C4FD3F136}"/>
+              </a:ext>
+            </a:extLst>
+          </p:cNvPr>
+          <p:cNvSpPr txBox="1"/>
+          <p:nvPr/>
+        </p:nvSpPr>
+        <p:spPr>
+          <a:xfrm>
+            <a:off x="2066419" y="293657"/>
+            <a:ext cx="7115175" cy="707886"/>
+          </a:xfrm>
+          <a:prstGeom prst="rect">
+            <a:avLst/>
+          </a:prstGeom>
+          <a:noFill/>
+        </p:spPr>
+        <p:txBody>
+          <a:bodyPr wrap="square" rtlCol="0">
+            <a:spAutoFit/>
+          </a:bodyPr>
+          <a:lstStyle/>
+          <a:p>
+            <a:pPr algn="ctr"/>
+            <a:r>
+              <a:rPr lang="fr-FR" sz="4000" dirty="0"/>
+              <a:t>Interface graphique</a:t>
+            </a:r>
+          </a:p>
+        </p:txBody>
+      </p:sp>
+      <p:sp>
+        <p:nvSpPr>
+          <p:cNvPr id="3" name="Slide Number Placeholder 2">
+            <a:extLst>
+              <a:ext uri="{FF2B5EF4-FFF2-40B4-BE49-F238E27FC236}">
+                <a16:creationId xmlns:a16="http://schemas.microsoft.com/office/drawing/2014/main" id="{C8D47803-8486-EA32-6A1C-A82BA138F8C4}"/>
+              </a:ext>
+            </a:extLst>
+          </p:cNvPr>
+          <p:cNvSpPr>
+            <a:spLocks noGrp="1"/>
+          </p:cNvSpPr>
+          <p:nvPr>
+            <p:ph type="sldNum" sz="quarter" idx="12"/>
+          </p:nvPr>
+        </p:nvSpPr>
+        <p:spPr/>
+        <p:txBody>
+          <a:bodyPr/>
+          <a:lstStyle/>
+          <a:p>
+            <a:pPr algn="l"/>
+            <a:fld id="{FAEF9944-A4F6-4C59-AEBD-678D6480B8EA}" type="slidenum">
+              <a:rPr lang="en-US" smtClean="0"/>
+              <a:pPr algn="l"/>
+              <a:t>8</a:t>
+            </a:fld>
+            <a:endParaRPr lang="en-US" dirty="0"/>
+          </a:p>
+        </p:txBody>
+      </p:sp>
+    </p:spTree>
+    <p:extLst>
+      <p:ext uri="{BB962C8B-B14F-4D97-AF65-F5344CB8AC3E}">
+        <p14:creationId xmlns:p14="http://schemas.microsoft.com/office/powerpoint/2010/main" val="2490522392"/>
+      </p:ext>
+    </p:extLst>
+  </p:cSld>
+  <p:clrMapOvr>
+    <a:masterClrMapping/>
+  </p:clrMapOvr>
+</p:sld>
+</file>
+
+<file path=ppt/slides/slide9.xml><?xml version="1.0" encoding="utf-8"?>
+<p:sld xmlns:a="http://schemas.openxmlformats.org/drawingml/2006/main" xmlns:r="http://schemas.openxmlformats.org/officeDocument/2006/relationships" xmlns:p="http://schemas.openxmlformats.org/presentationml/2006/main">
+  <p:cSld>
+    <p:spTree>
+      <p:nvGrpSpPr>
+        <p:cNvPr id="1" name=""/>
+        <p:cNvGrpSpPr/>
+        <p:nvPr/>
+      </p:nvGrpSpPr>
+      <p:grpSpPr>
+        <a:xfrm>
+          <a:off x="0" y="0"/>
+          <a:ext cx="0" cy="0"/>
+          <a:chOff x="0" y="0"/>
+          <a:chExt cx="0" cy="0"/>
+        </a:xfrm>
+      </p:grpSpPr>
+      <p:sp>
+        <p:nvSpPr>
+          <p:cNvPr id="3" name="ZoneTexte 2">
+            <a:extLst>
+              <a:ext uri="{FF2B5EF4-FFF2-40B4-BE49-F238E27FC236}">
+                <a16:creationId xmlns:a16="http://schemas.microsoft.com/office/drawing/2014/main" id="{06FEBA43-FA12-4843-E85C-E2701464070A}"/>
+              </a:ext>
+            </a:extLst>
+          </p:cNvPr>
+          <p:cNvSpPr txBox="1"/>
+          <p:nvPr/>
+        </p:nvSpPr>
+        <p:spPr>
+          <a:xfrm>
+            <a:off x="2085080" y="386963"/>
+            <a:ext cx="7115175" cy="707886"/>
+          </a:xfrm>
+          <a:prstGeom prst="rect">
+            <a:avLst/>
+          </a:prstGeom>
+          <a:noFill/>
+        </p:spPr>
+        <p:txBody>
+          <a:bodyPr wrap="square" rtlCol="0">
+            <a:spAutoFit/>
+          </a:bodyPr>
+          <a:lstStyle/>
+          <a:p>
+            <a:pPr algn="ctr"/>
+            <a:r>
+              <a:rPr lang="fr-FR" sz="4000" dirty="0"/>
+              <a:t>Conclusion</a:t>
+            </a:r>
+          </a:p>
+        </p:txBody>
+      </p:sp>
+      <p:sp>
+        <p:nvSpPr>
+          <p:cNvPr id="2" name="Slide Number Placeholder 1">
+            <a:extLst>
+              <a:ext uri="{FF2B5EF4-FFF2-40B4-BE49-F238E27FC236}">
+                <a16:creationId xmlns:a16="http://schemas.microsoft.com/office/drawing/2014/main" id="{74592245-8B47-E7CF-797E-1E8E0650A0F7}"/>
+              </a:ext>
+            </a:extLst>
+          </p:cNvPr>
+          <p:cNvSpPr>
+            <a:spLocks noGrp="1"/>
+          </p:cNvSpPr>
+          <p:nvPr>
+            <p:ph type="sldNum" sz="quarter" idx="12"/>
+          </p:nvPr>
+        </p:nvSpPr>
+        <p:spPr/>
+        <p:txBody>
+          <a:bodyPr/>
+          <a:lstStyle/>
+          <a:p>
+            <a:pPr algn="l"/>
+            <a:fld id="{FAEF9944-A4F6-4C59-AEBD-678D6480B8EA}" type="slidenum">
+              <a:rPr lang="en-US" smtClean="0"/>
+              <a:pPr algn="l"/>
+              <a:t>9</a:t>
+            </a:fld>
+            <a:endParaRPr lang="en-US" dirty="0"/>
+          </a:p>
+        </p:txBody>
+      </p:sp>
+      <p:sp>
+        <p:nvSpPr>
+          <p:cNvPr id="5" name="ZoneTexte 3">
+            <a:extLst>
+              <a:ext uri="{FF2B5EF4-FFF2-40B4-BE49-F238E27FC236}">
+                <a16:creationId xmlns:a16="http://schemas.microsoft.com/office/drawing/2014/main" id="{40127080-F2C9-F44F-DF91-CCAE3DE6D38B}"/>
+              </a:ext>
+            </a:extLst>
+          </p:cNvPr>
+          <p:cNvSpPr txBox="1"/>
+          <p:nvPr/>
+        </p:nvSpPr>
+        <p:spPr>
+          <a:xfrm>
+            <a:off x="1604087" y="2317979"/>
+            <a:ext cx="8958166" cy="3416320"/>
+          </a:xfrm>
+          <a:prstGeom prst="rect">
+            <a:avLst/>
+          </a:prstGeom>
+          <a:noFill/>
+        </p:spPr>
+        <p:txBody>
+          <a:bodyPr wrap="square" rtlCol="0">
+            <a:spAutoFit/>
+          </a:bodyPr>
+          <a:lstStyle/>
+          <a:p>
+            <a:pPr marL="342900" indent="-342900">
+              <a:buFont typeface="Arial" panose="020B0604020202020204" pitchFamily="34" charset="0"/>
+              <a:buChar char="•"/>
+            </a:pPr>
+            <a:r>
+              <a:rPr lang="fr-FR" sz="2400" dirty="0"/>
+              <a:t>Interface graphique pratique et fonctionnelle</a:t>
+            </a:r>
+          </a:p>
+          <a:p>
+            <a:pPr marL="342900" indent="-342900">
+              <a:buFont typeface="Arial" panose="020B0604020202020204" pitchFamily="34" charset="0"/>
+              <a:buChar char="•"/>
+            </a:pPr>
+            <a:endParaRPr lang="fr-FR" sz="2400" dirty="0"/>
+          </a:p>
+          <a:p>
+            <a:pPr marL="342900" indent="-342900">
+              <a:buFont typeface="Arial" panose="020B0604020202020204" pitchFamily="34" charset="0"/>
+              <a:buChar char="•"/>
+            </a:pPr>
+            <a:r>
+              <a:rPr lang="fr-FR" sz="2400" dirty="0"/>
+              <a:t>Répond à un vrai besoin</a:t>
+            </a:r>
+          </a:p>
+          <a:p>
+            <a:pPr marL="342900" indent="-342900">
+              <a:buFont typeface="Arial" panose="020B0604020202020204" pitchFamily="34" charset="0"/>
+              <a:buChar char="•"/>
+            </a:pPr>
+            <a:endParaRPr lang="fr-FR" sz="2400" dirty="0"/>
+          </a:p>
+          <a:p>
+            <a:pPr marL="342900" indent="-342900">
+              <a:buFont typeface="Arial" panose="020B0604020202020204" pitchFamily="34" charset="0"/>
+              <a:buChar char="•"/>
+            </a:pPr>
+            <a:r>
+              <a:rPr lang="fr-FR" sz="2400" dirty="0"/>
+              <a:t>Quelques idées d’amélioration:</a:t>
+            </a:r>
+          </a:p>
+          <a:p>
+            <a:pPr marL="800100" lvl="1" indent="-342900">
+              <a:buFont typeface="Courier New" panose="02070309020205020404" pitchFamily="49" charset="0"/>
+              <a:buChar char="o"/>
+            </a:pPr>
+            <a:r>
+              <a:rPr lang="fr-FR" sz="2400" dirty="0"/>
+              <a:t>Correction de G2A</a:t>
+            </a:r>
+          </a:p>
+          <a:p>
+            <a:pPr marL="800100" lvl="1" indent="-342900">
+              <a:buFont typeface="Courier New" panose="02070309020205020404" pitchFamily="49" charset="0"/>
+              <a:buChar char="o"/>
+            </a:pPr>
+            <a:r>
+              <a:rPr lang="fr-FR" sz="2400" dirty="0"/>
+              <a:t>Gérer certains cas particuliers</a:t>
+            </a:r>
+          </a:p>
+          <a:p>
+            <a:pPr marL="800100" lvl="1" indent="-342900">
+              <a:buFont typeface="Courier New" panose="02070309020205020404" pitchFamily="49" charset="0"/>
+              <a:buChar char="o"/>
+            </a:pPr>
+            <a:r>
+              <a:rPr lang="fr-FR" sz="2400" dirty="0"/>
+              <a:t>Récupérer les opinions</a:t>
+            </a:r>
+          </a:p>
+          <a:p>
+            <a:pPr marL="342900" indent="-342900">
+              <a:buFont typeface="Arial" panose="020B0604020202020204" pitchFamily="34" charset="0"/>
+              <a:buChar char="•"/>
+            </a:pPr>
+            <a:endParaRPr lang="fr-FR" sz="2400" dirty="0"/>
+          </a:p>
+        </p:txBody>
+      </p:sp>
+    </p:spTree>
+    <p:extLst>
+      <p:ext uri="{BB962C8B-B14F-4D97-AF65-F5344CB8AC3E}">
+        <p14:creationId xmlns:p14="http://schemas.microsoft.com/office/powerpoint/2010/main" val="612732961"/>
       </p:ext>
     </p:extLst>
   </p:cSld>
@@ -9348,4 +10695,594 @@
     </a:ext>
   </a:extLst>
 </a:theme>
+</file>
+
+<file path=ppt/theme/theme2.xml><?xml version="1.0" encoding="utf-8"?>
+<a:theme xmlns:a="http://schemas.openxmlformats.org/drawingml/2006/main" name="Office Theme">
+  <a:themeElements>
+    <a:clrScheme name="Office">
+      <a:dk1>
+        <a:sysClr val="windowText" lastClr="000000"/>
+      </a:dk1>
+      <a:lt1>
+        <a:sysClr val="window" lastClr="FFFFFF"/>
+      </a:lt1>
+      <a:dk2>
+        <a:srgbClr val="44546A"/>
+      </a:dk2>
+      <a:lt2>
+        <a:srgbClr val="E7E6E6"/>
+      </a:lt2>
+      <a:accent1>
+        <a:srgbClr val="4472C4"/>
+      </a:accent1>
+      <a:accent2>
+        <a:srgbClr val="ED7D31"/>
+      </a:accent2>
+      <a:accent3>
+        <a:srgbClr val="A5A5A5"/>
+      </a:accent3>
+      <a:accent4>
+        <a:srgbClr val="FFC000"/>
+      </a:accent4>
+      <a:accent5>
+        <a:srgbClr val="5B9BD5"/>
+      </a:accent5>
+      <a:accent6>
+        <a:srgbClr val="70AD47"/>
+      </a:accent6>
+      <a:hlink>
+        <a:srgbClr val="0563C1"/>
+      </a:hlink>
+      <a:folHlink>
+        <a:srgbClr val="954F72"/>
+      </a:folHlink>
+    </a:clrScheme>
+    <a:fontScheme name="Office">
+      <a:majorFont>
+        <a:latin typeface="Calibri Light" panose="020F0302020204030204"/>
+        <a:ea typeface=""/>
+        <a:cs typeface=""/>
+        <a:font script="Jpan" typeface="游ゴシック Light"/>
+        <a:font script="Hang" typeface="맑은 고딕"/>
+        <a:font script="Hans" typeface="等线 Light"/>
+        <a:font script="Hant" typeface="新細明體"/>
+        <a:font script="Arab" typeface="Times New Roman"/>
+        <a:font script="Hebr" typeface="Times New Roman"/>
+        <a:font script="Thai" typeface="Angsana New"/>
+        <a:font script="Ethi" typeface="Nyala"/>
+        <a:font script="Beng" typeface="Vrinda"/>
+        <a:font script="Gujr" typeface="Shruti"/>
+        <a:font script="Khmr" typeface="MoolBoran"/>
+        <a:font script="Knda" typeface="Tunga"/>
+        <a:font script="Guru" typeface="Raavi"/>
+        <a:font script="Cans" typeface="Euphemia"/>
+        <a:font script="Cher" typeface="Plantagenet Cherokee"/>
+        <a:font script="Yiii" typeface="Microsoft Yi Baiti"/>
+        <a:font script="Tibt" typeface="Microsoft Himalaya"/>
+        <a:font script="Thaa" typeface="MV Boli"/>
+        <a:font script="Deva" typeface="Mangal"/>
+        <a:font script="Telu" typeface="Gautami"/>
+        <a:font script="Taml" typeface="Latha"/>
+        <a:font script="Syrc" typeface="Estrangelo Edessa"/>
+        <a:font script="Orya" typeface="Kalinga"/>
+        <a:font script="Mlym" typeface="Kartika"/>
+        <a:font script="Laoo" typeface="DokChampa"/>
+        <a:font script="Sinh" typeface="Iskoola Pota"/>
+        <a:font script="Mong" typeface="Mongolian Baiti"/>
+        <a:font script="Viet" typeface="Times New Roman"/>
+        <a:font script="Uigh" typeface="Microsoft Uighur"/>
+        <a:font script="Geor" typeface="Sylfaen"/>
+        <a:font script="Armn" typeface="Arial"/>
+        <a:font script="Bugi" typeface="Leelawadee UI"/>
+        <a:font script="Bopo" typeface="Microsoft JhengHei"/>
+        <a:font script="Java" typeface="Javanese Text"/>
+        <a:font script="Lisu" typeface="Segoe UI"/>
+        <a:font script="Mymr" typeface="Myanmar Text"/>
+        <a:font script="Nkoo" typeface="Ebrima"/>
+        <a:font script="Olck" typeface="Nirmala UI"/>
+        <a:font script="Osma" typeface="Ebrima"/>
+        <a:font script="Phag" typeface="Phagspa"/>
+        <a:font script="Syrn" typeface="Estrangelo Edessa"/>
+        <a:font script="Syrj" typeface="Estrangelo Edessa"/>
+        <a:font script="Syre" typeface="Estrangelo Edessa"/>
+        <a:font script="Sora" typeface="Nirmala UI"/>
+        <a:font script="Tale" typeface="Microsoft Tai Le"/>
+        <a:font script="Talu" typeface="Microsoft New Tai Lue"/>
+        <a:font script="Tfng" typeface="Ebrima"/>
+      </a:majorFont>
+      <a:minorFont>
+        <a:latin typeface="Calibri" panose="020F0502020204030204"/>
+        <a:ea typeface=""/>
+        <a:cs typeface=""/>
+        <a:font script="Jpan" typeface="游ゴシック"/>
+        <a:font script="Hang" typeface="맑은 고딕"/>
+        <a:font script="Hans" typeface="等线"/>
+        <a:font script="Hant" typeface="新細明體"/>
+        <a:font script="Arab" typeface="Arial"/>
+        <a:font script="Hebr" typeface="Arial"/>
+        <a:font script="Thai" typeface="Cordia New"/>
+        <a:font script="Ethi" typeface="Nyala"/>
+        <a:font script="Beng" typeface="Vrinda"/>
+        <a:font script="Gujr" typeface="Shruti"/>
+        <a:font script="Khmr" typeface="DaunPenh"/>
+        <a:font script="Knda" typeface="Tunga"/>
+        <a:font script="Guru" typeface="Raavi"/>
+        <a:font script="Cans" typeface="Euphemia"/>
+        <a:font script="Cher" typeface="Plantagenet Cherokee"/>
+        <a:font script="Yiii" typeface="Microsoft Yi Baiti"/>
+        <a:font script="Tibt" typeface="Microsoft Himalaya"/>
+        <a:font script="Thaa" typeface="MV Boli"/>
+        <a:font script="Deva" typeface="Mangal"/>
+        <a:font script="Telu" typeface="Gautami"/>
+        <a:font script="Taml" typeface="Latha"/>
+        <a:font script="Syrc" typeface="Estrangelo Edessa"/>
+        <a:font script="Orya" typeface="Kalinga"/>
+        <a:font script="Mlym" typeface="Kartika"/>
+        <a:font script="Laoo" typeface="DokChampa"/>
+        <a:font script="Sinh" typeface="Iskoola Pota"/>
+        <a:font script="Mong" typeface="Mongolian Baiti"/>
+        <a:font script="Viet" typeface="Arial"/>
+        <a:font script="Uigh" typeface="Microsoft Uighur"/>
+        <a:font script="Geor" typeface="Sylfaen"/>
+        <a:font script="Armn" typeface="Arial"/>
+        <a:font script="Bugi" typeface="Leelawadee UI"/>
+        <a:font script="Bopo" typeface="Microsoft JhengHei"/>
+        <a:font script="Java" typeface="Javanese Text"/>
+        <a:font script="Lisu" typeface="Segoe UI"/>
+        <a:font script="Mymr" typeface="Myanmar Text"/>
+        <a:font script="Nkoo" typeface="Ebrima"/>
+        <a:font script="Olck" typeface="Nirmala UI"/>
+        <a:font script="Osma" typeface="Ebrima"/>
+        <a:font script="Phag" typeface="Phagspa"/>
+        <a:font script="Syrn" typeface="Estrangelo Edessa"/>
+        <a:font script="Syrj" typeface="Estrangelo Edessa"/>
+        <a:font script="Syre" typeface="Estrangelo Edessa"/>
+        <a:font script="Sora" typeface="Nirmala UI"/>
+        <a:font script="Tale" typeface="Microsoft Tai Le"/>
+        <a:font script="Talu" typeface="Microsoft New Tai Lue"/>
+        <a:font script="Tfng" typeface="Ebrima"/>
+      </a:minorFont>
+    </a:fontScheme>
+    <a:fmtScheme name="Office">
+      <a:fillStyleLst>
+        <a:solidFill>
+          <a:schemeClr val="phClr"/>
+        </a:solidFill>
+        <a:gradFill rotWithShape="1">
+          <a:gsLst>
+            <a:gs pos="0">
+              <a:schemeClr val="phClr">
+                <a:lumMod val="110000"/>
+                <a:satMod val="105000"/>
+                <a:tint val="67000"/>
+              </a:schemeClr>
+            </a:gs>
+            <a:gs pos="50000">
+              <a:schemeClr val="phClr">
+                <a:lumMod val="105000"/>
+                <a:satMod val="103000"/>
+                <a:tint val="73000"/>
+              </a:schemeClr>
+            </a:gs>
+            <a:gs pos="100000">
+              <a:schemeClr val="phClr">
+                <a:lumMod val="105000"/>
+                <a:satMod val="109000"/>
+                <a:tint val="81000"/>
+              </a:schemeClr>
+            </a:gs>
+          </a:gsLst>
+          <a:lin ang="5400000" scaled="0"/>
+        </a:gradFill>
+        <a:gradFill rotWithShape="1">
+          <a:gsLst>
+            <a:gs pos="0">
+              <a:schemeClr val="phClr">
+                <a:satMod val="103000"/>
+                <a:lumMod val="102000"/>
+                <a:tint val="94000"/>
+              </a:schemeClr>
+            </a:gs>
+            <a:gs pos="50000">
+              <a:schemeClr val="phClr">
+                <a:satMod val="110000"/>
+                <a:lumMod val="100000"/>
+                <a:shade val="100000"/>
+              </a:schemeClr>
+            </a:gs>
+            <a:gs pos="100000">
+              <a:schemeClr val="phClr">
+                <a:lumMod val="99000"/>
+                <a:satMod val="120000"/>
+                <a:shade val="78000"/>
+              </a:schemeClr>
+            </a:gs>
+          </a:gsLst>
+          <a:lin ang="5400000" scaled="0"/>
+        </a:gradFill>
+      </a:fillStyleLst>
+      <a:lnStyleLst>
+        <a:ln w="6350" cap="flat" cmpd="sng" algn="ctr">
+          <a:solidFill>
+            <a:schemeClr val="phClr"/>
+          </a:solidFill>
+          <a:prstDash val="solid"/>
+          <a:miter lim="800000"/>
+        </a:ln>
+        <a:ln w="12700" cap="flat" cmpd="sng" algn="ctr">
+          <a:solidFill>
+            <a:schemeClr val="phClr"/>
+          </a:solidFill>
+          <a:prstDash val="solid"/>
+          <a:miter lim="800000"/>
+        </a:ln>
+        <a:ln w="19050" cap="flat" cmpd="sng" algn="ctr">
+          <a:solidFill>
+            <a:schemeClr val="phClr"/>
+          </a:solidFill>
+          <a:prstDash val="solid"/>
+          <a:miter lim="800000"/>
+        </a:ln>
+      </a:lnStyleLst>
+      <a:effectStyleLst>
+        <a:effectStyle>
+          <a:effectLst/>
+        </a:effectStyle>
+        <a:effectStyle>
+          <a:effectLst/>
+        </a:effectStyle>
+        <a:effectStyle>
+          <a:effectLst>
+            <a:outerShdw blurRad="57150" dist="19050" dir="5400000" algn="ctr" rotWithShape="0">
+              <a:srgbClr val="000000">
+                <a:alpha val="63000"/>
+              </a:srgbClr>
+            </a:outerShdw>
+          </a:effectLst>
+        </a:effectStyle>
+      </a:effectStyleLst>
+      <a:bgFillStyleLst>
+        <a:solidFill>
+          <a:schemeClr val="phClr"/>
+        </a:solidFill>
+        <a:solidFill>
+          <a:schemeClr val="phClr">
+            <a:tint val="95000"/>
+            <a:satMod val="170000"/>
+          </a:schemeClr>
+        </a:solidFill>
+        <a:gradFill rotWithShape="1">
+          <a:gsLst>
+            <a:gs pos="0">
+              <a:schemeClr val="phClr">
+                <a:tint val="93000"/>
+                <a:satMod val="150000"/>
+                <a:shade val="98000"/>
+                <a:lumMod val="102000"/>
+              </a:schemeClr>
+            </a:gs>
+            <a:gs pos="50000">
+              <a:schemeClr val="phClr">
+                <a:tint val="98000"/>
+                <a:satMod val="130000"/>
+                <a:shade val="90000"/>
+                <a:lumMod val="103000"/>
+              </a:schemeClr>
+            </a:gs>
+            <a:gs pos="100000">
+              <a:schemeClr val="phClr">
+                <a:shade val="63000"/>
+                <a:satMod val="120000"/>
+              </a:schemeClr>
+            </a:gs>
+          </a:gsLst>
+          <a:lin ang="5400000" scaled="0"/>
+        </a:gradFill>
+      </a:bgFillStyleLst>
+    </a:fmtScheme>
+  </a:themeElements>
+  <a:objectDefaults/>
+  <a:extraClrSchemeLst/>
+  <a:extLst>
+    <a:ext uri="{05A4C25C-085E-4340-85A3-A5531E510DB2}">
+      <thm15:themeFamily xmlns:thm15="http://schemas.microsoft.com/office/thememl/2012/main" name="Office Theme 2013 - 2022" id="{62F939B6-93AF-4DB8-9C6B-D6C7DFDC589F}" vid="{4A3C46E8-61CC-4603-A589-7422A47A8E4A}"/>
+    </a:ext>
+  </a:extLst>
+</a:theme>
+</file>
+
+<file path=ppt/theme/theme3.xml><?xml version="1.0" encoding="utf-8"?>
+<a:theme xmlns:a="http://schemas.openxmlformats.org/drawingml/2006/main" name="Office Theme">
+  <a:themeElements>
+    <a:clrScheme name="Office">
+      <a:dk1>
+        <a:sysClr val="windowText" lastClr="000000"/>
+      </a:dk1>
+      <a:lt1>
+        <a:sysClr val="window" lastClr="FFFFFF"/>
+      </a:lt1>
+      <a:dk2>
+        <a:srgbClr val="44546A"/>
+      </a:dk2>
+      <a:lt2>
+        <a:srgbClr val="E7E6E6"/>
+      </a:lt2>
+      <a:accent1>
+        <a:srgbClr val="4472C4"/>
+      </a:accent1>
+      <a:accent2>
+        <a:srgbClr val="ED7D31"/>
+      </a:accent2>
+      <a:accent3>
+        <a:srgbClr val="A5A5A5"/>
+      </a:accent3>
+      <a:accent4>
+        <a:srgbClr val="FFC000"/>
+      </a:accent4>
+      <a:accent5>
+        <a:srgbClr val="5B9BD5"/>
+      </a:accent5>
+      <a:accent6>
+        <a:srgbClr val="70AD47"/>
+      </a:accent6>
+      <a:hlink>
+        <a:srgbClr val="0563C1"/>
+      </a:hlink>
+      <a:folHlink>
+        <a:srgbClr val="954F72"/>
+      </a:folHlink>
+    </a:clrScheme>
+    <a:fontScheme name="Office">
+      <a:majorFont>
+        <a:latin typeface="Calibri Light" panose="020F0302020204030204"/>
+        <a:ea typeface=""/>
+        <a:cs typeface=""/>
+        <a:font script="Jpan" typeface="游ゴシック Light"/>
+        <a:font script="Hang" typeface="맑은 고딕"/>
+        <a:font script="Hans" typeface="等线 Light"/>
+        <a:font script="Hant" typeface="新細明體"/>
+        <a:font script="Arab" typeface="Times New Roman"/>
+        <a:font script="Hebr" typeface="Times New Roman"/>
+        <a:font script="Thai" typeface="Angsana New"/>
+        <a:font script="Ethi" typeface="Nyala"/>
+        <a:font script="Beng" typeface="Vrinda"/>
+        <a:font script="Gujr" typeface="Shruti"/>
+        <a:font script="Khmr" typeface="MoolBoran"/>
+        <a:font script="Knda" typeface="Tunga"/>
+        <a:font script="Guru" typeface="Raavi"/>
+        <a:font script="Cans" typeface="Euphemia"/>
+        <a:font script="Cher" typeface="Plantagenet Cherokee"/>
+        <a:font script="Yiii" typeface="Microsoft Yi Baiti"/>
+        <a:font script="Tibt" typeface="Microsoft Himalaya"/>
+        <a:font script="Thaa" typeface="MV Boli"/>
+        <a:font script="Deva" typeface="Mangal"/>
+        <a:font script="Telu" typeface="Gautami"/>
+        <a:font script="Taml" typeface="Latha"/>
+        <a:font script="Syrc" typeface="Estrangelo Edessa"/>
+        <a:font script="Orya" typeface="Kalinga"/>
+        <a:font script="Mlym" typeface="Kartika"/>
+        <a:font script="Laoo" typeface="DokChampa"/>
+        <a:font script="Sinh" typeface="Iskoola Pota"/>
+        <a:font script="Mong" typeface="Mongolian Baiti"/>
+        <a:font script="Viet" typeface="Times New Roman"/>
+        <a:font script="Uigh" typeface="Microsoft Uighur"/>
+        <a:font script="Geor" typeface="Sylfaen"/>
+        <a:font script="Armn" typeface="Arial"/>
+        <a:font script="Bugi" typeface="Leelawadee UI"/>
+        <a:font script="Bopo" typeface="Microsoft JhengHei"/>
+        <a:font script="Java" typeface="Javanese Text"/>
+        <a:font script="Lisu" typeface="Segoe UI"/>
+        <a:font script="Mymr" typeface="Myanmar Text"/>
+        <a:font script="Nkoo" typeface="Ebrima"/>
+        <a:font script="Olck" typeface="Nirmala UI"/>
+        <a:font script="Osma" typeface="Ebrima"/>
+        <a:font script="Phag" typeface="Phagspa"/>
+        <a:font script="Syrn" typeface="Estrangelo Edessa"/>
+        <a:font script="Syrj" typeface="Estrangelo Edessa"/>
+        <a:font script="Syre" typeface="Estrangelo Edessa"/>
+        <a:font script="Sora" typeface="Nirmala UI"/>
+        <a:font script="Tale" typeface="Microsoft Tai Le"/>
+        <a:font script="Talu" typeface="Microsoft New Tai Lue"/>
+        <a:font script="Tfng" typeface="Ebrima"/>
+      </a:majorFont>
+      <a:minorFont>
+        <a:latin typeface="Calibri" panose="020F0502020204030204"/>
+        <a:ea typeface=""/>
+        <a:cs typeface=""/>
+        <a:font script="Jpan" typeface="游ゴシック"/>
+        <a:font script="Hang" typeface="맑은 고딕"/>
+        <a:font script="Hans" typeface="等线"/>
+        <a:font script="Hant" typeface="新細明體"/>
+        <a:font script="Arab" typeface="Arial"/>
+        <a:font script="Hebr" typeface="Arial"/>
+        <a:font script="Thai" typeface="Cordia New"/>
+        <a:font script="Ethi" typeface="Nyala"/>
+        <a:font script="Beng" typeface="Vrinda"/>
+        <a:font script="Gujr" typeface="Shruti"/>
+        <a:font script="Khmr" typeface="DaunPenh"/>
+        <a:font script="Knda" typeface="Tunga"/>
+        <a:font script="Guru" typeface="Raavi"/>
+        <a:font script="Cans" typeface="Euphemia"/>
+        <a:font script="Cher" typeface="Plantagenet Cherokee"/>
+        <a:font script="Yiii" typeface="Microsoft Yi Baiti"/>
+        <a:font script="Tibt" typeface="Microsoft Himalaya"/>
+        <a:font script="Thaa" typeface="MV Boli"/>
+        <a:font script="Deva" typeface="Mangal"/>
+        <a:font script="Telu" typeface="Gautami"/>
+        <a:font script="Taml" typeface="Latha"/>
+        <a:font script="Syrc" typeface="Estrangelo Edessa"/>
+        <a:font script="Orya" typeface="Kalinga"/>
+        <a:font script="Mlym" typeface="Kartika"/>
+        <a:font script="Laoo" typeface="DokChampa"/>
+        <a:font script="Sinh" typeface="Iskoola Pota"/>
+        <a:font script="Mong" typeface="Mongolian Baiti"/>
+        <a:font script="Viet" typeface="Arial"/>
+        <a:font script="Uigh" typeface="Microsoft Uighur"/>
+        <a:font script="Geor" typeface="Sylfaen"/>
+        <a:font script="Armn" typeface="Arial"/>
+        <a:font script="Bugi" typeface="Leelawadee UI"/>
+        <a:font script="Bopo" typeface="Microsoft JhengHei"/>
+        <a:font script="Java" typeface="Javanese Text"/>
+        <a:font script="Lisu" typeface="Segoe UI"/>
+        <a:font script="Mymr" typeface="Myanmar Text"/>
+        <a:font script="Nkoo" typeface="Ebrima"/>
+        <a:font script="Olck" typeface="Nirmala UI"/>
+        <a:font script="Osma" typeface="Ebrima"/>
+        <a:font script="Phag" typeface="Phagspa"/>
+        <a:font script="Syrn" typeface="Estrangelo Edessa"/>
+        <a:font script="Syrj" typeface="Estrangelo Edessa"/>
+        <a:font script="Syre" typeface="Estrangelo Edessa"/>
+        <a:font script="Sora" typeface="Nirmala UI"/>
+        <a:font script="Tale" typeface="Microsoft Tai Le"/>
+        <a:font script="Talu" typeface="Microsoft New Tai Lue"/>
+        <a:font script="Tfng" typeface="Ebrima"/>
+      </a:minorFont>
+    </a:fontScheme>
+    <a:fmtScheme name="Office">
+      <a:fillStyleLst>
+        <a:solidFill>
+          <a:schemeClr val="phClr"/>
+        </a:solidFill>
+        <a:gradFill rotWithShape="1">
+          <a:gsLst>
+            <a:gs pos="0">
+              <a:schemeClr val="phClr">
+                <a:lumMod val="110000"/>
+                <a:satMod val="105000"/>
+                <a:tint val="67000"/>
+              </a:schemeClr>
+            </a:gs>
+            <a:gs pos="50000">
+              <a:schemeClr val="phClr">
+                <a:lumMod val="105000"/>
+                <a:satMod val="103000"/>
+                <a:tint val="73000"/>
+              </a:schemeClr>
+            </a:gs>
+            <a:gs pos="100000">
+              <a:schemeClr val="phClr">
+                <a:lumMod val="105000"/>
+                <a:satMod val="109000"/>
+                <a:tint val="81000"/>
+              </a:schemeClr>
+            </a:gs>
+          </a:gsLst>
+          <a:lin ang="5400000" scaled="0"/>
+        </a:gradFill>
+        <a:gradFill rotWithShape="1">
+          <a:gsLst>
+            <a:gs pos="0">
+              <a:schemeClr val="phClr">
+                <a:satMod val="103000"/>
+                <a:lumMod val="102000"/>
+                <a:tint val="94000"/>
+              </a:schemeClr>
+            </a:gs>
+            <a:gs pos="50000">
+              <a:schemeClr val="phClr">
+                <a:satMod val="110000"/>
+                <a:lumMod val="100000"/>
+                <a:shade val="100000"/>
+              </a:schemeClr>
+            </a:gs>
+            <a:gs pos="100000">
+              <a:schemeClr val="phClr">
+                <a:lumMod val="99000"/>
+                <a:satMod val="120000"/>
+                <a:shade val="78000"/>
+              </a:schemeClr>
+            </a:gs>
+          </a:gsLst>
+          <a:lin ang="5400000" scaled="0"/>
+        </a:gradFill>
+      </a:fillStyleLst>
+      <a:lnStyleLst>
+        <a:ln w="6350" cap="flat" cmpd="sng" algn="ctr">
+          <a:solidFill>
+            <a:schemeClr val="phClr"/>
+          </a:solidFill>
+          <a:prstDash val="solid"/>
+          <a:miter lim="800000"/>
+        </a:ln>
+        <a:ln w="12700" cap="flat" cmpd="sng" algn="ctr">
+          <a:solidFill>
+            <a:schemeClr val="phClr"/>
+          </a:solidFill>
+          <a:prstDash val="solid"/>
+          <a:miter lim="800000"/>
+        </a:ln>
+        <a:ln w="19050" cap="flat" cmpd="sng" algn="ctr">
+          <a:solidFill>
+            <a:schemeClr val="phClr"/>
+          </a:solidFill>
+          <a:prstDash val="solid"/>
+          <a:miter lim="800000"/>
+        </a:ln>
+      </a:lnStyleLst>
+      <a:effectStyleLst>
+        <a:effectStyle>
+          <a:effectLst/>
+        </a:effectStyle>
+        <a:effectStyle>
+          <a:effectLst/>
+        </a:effectStyle>
+        <a:effectStyle>
+          <a:effectLst>
+            <a:outerShdw blurRad="57150" dist="19050" dir="5400000" algn="ctr" rotWithShape="0">
+              <a:srgbClr val="000000">
+                <a:alpha val="63000"/>
+              </a:srgbClr>
+            </a:outerShdw>
+          </a:effectLst>
+        </a:effectStyle>
+      </a:effectStyleLst>
+      <a:bgFillStyleLst>
+        <a:solidFill>
+          <a:schemeClr val="phClr"/>
+        </a:solidFill>
+        <a:solidFill>
+          <a:schemeClr val="phClr">
+            <a:tint val="95000"/>
+            <a:satMod val="170000"/>
+          </a:schemeClr>
+        </a:solidFill>
+        <a:gradFill rotWithShape="1">
+          <a:gsLst>
+            <a:gs pos="0">
+              <a:schemeClr val="phClr">
+                <a:tint val="93000"/>
+                <a:satMod val="150000"/>
+                <a:shade val="98000"/>
+                <a:lumMod val="102000"/>
+              </a:schemeClr>
+            </a:gs>
+            <a:gs pos="50000">
+              <a:schemeClr val="phClr">
+                <a:tint val="98000"/>
+                <a:satMod val="130000"/>
+                <a:shade val="90000"/>
+                <a:lumMod val="103000"/>
+              </a:schemeClr>
+            </a:gs>
+            <a:gs pos="100000">
+              <a:schemeClr val="phClr">
+                <a:shade val="63000"/>
+                <a:satMod val="120000"/>
+              </a:schemeClr>
+            </a:gs>
+          </a:gsLst>
+          <a:lin ang="5400000" scaled="0"/>
+        </a:gradFill>
+      </a:bgFillStyleLst>
+    </a:fmtScheme>
+  </a:themeElements>
+  <a:objectDefaults/>
+  <a:extraClrSchemeLst/>
+  <a:extLst>
+    <a:ext uri="{05A4C25C-085E-4340-85A3-A5531E510DB2}">
+      <thm15:themeFamily xmlns:thm15="http://schemas.microsoft.com/office/thememl/2012/main" name="Office Theme 2013 - 2022" id="{62F939B6-93AF-4DB8-9C6B-D6C7DFDC589F}" vid="{4A3C46E8-61CC-4603-A589-7422A47A8E4A}"/>
+    </a:ext>
+  </a:extLst>
+</a:theme>
 </file>
--- a/Rapport/webscrapping.pptx
+++ b/Rapport/webscrapping.pptx
@@ -298,7 +298,7 @@
           <a:p>
             <a:fld id="{CF5A9855-4439-4C72-BEB0-3692628BCCCC}" type="slidenum">
               <a:rPr lang="fr-FR" smtClean="0"/>
-              <a:t>‹#›</a:t>
+              <a:t>‹N°›</a:t>
             </a:fld>
             <a:endParaRPr lang="fr-FR"/>
           </a:p>
@@ -557,7 +557,7 @@
           <a:p>
             <a:fld id="{8026490C-305F-4F2B-AD04-8FC5D5428C49}" type="slidenum">
               <a:rPr lang="fr-FR" smtClean="0"/>
-              <a:t>‹#›</a:t>
+              <a:t>‹N°›</a:t>
             </a:fld>
             <a:endParaRPr lang="fr-FR"/>
           </a:p>
@@ -1043,7 +1043,7 @@
             <a:fld id="{FAEF9944-A4F6-4C59-AEBD-678D6480B8EA}" type="slidenum">
               <a:rPr lang="en-US" smtClean="0"/>
               <a:pPr/>
-              <a:t>‹#›</a:t>
+              <a:t>‹N°›</a:t>
             </a:fld>
             <a:endParaRPr lang="en-US" dirty="0"/>
           </a:p>
@@ -1841,7 +1841,7 @@
             <a:fld id="{FAEF9944-A4F6-4C59-AEBD-678D6480B8EA}" type="slidenum">
               <a:rPr lang="en-US" smtClean="0"/>
               <a:pPr algn="l"/>
-              <a:t>‹#›</a:t>
+              <a:t>‹N°›</a:t>
             </a:fld>
             <a:endParaRPr lang="en-US" dirty="0"/>
           </a:p>
@@ -2041,7 +2041,7 @@
             <a:fld id="{FAEF9944-A4F6-4C59-AEBD-678D6480B8EA}" type="slidenum">
               <a:rPr lang="en-US" smtClean="0"/>
               <a:pPr/>
-              <a:t>‹#›</a:t>
+              <a:t>‹N°›</a:t>
             </a:fld>
             <a:endParaRPr lang="en-US" dirty="0"/>
           </a:p>
@@ -2275,7 +2275,7 @@
             <a:fld id="{FAEF9944-A4F6-4C59-AEBD-678D6480B8EA}" type="slidenum">
               <a:rPr lang="en-US" smtClean="0"/>
               <a:pPr algn="l"/>
-              <a:t>‹#›</a:t>
+              <a:t>‹N°›</a:t>
             </a:fld>
             <a:endParaRPr lang="en-US" dirty="0"/>
           </a:p>
@@ -4746,7 +4746,7 @@
             <a:fld id="{FAEF9944-A4F6-4C59-AEBD-678D6480B8EA}" type="slidenum">
               <a:rPr lang="en-US" smtClean="0"/>
               <a:pPr algn="l"/>
-              <a:t>‹#›</a:t>
+              <a:t>‹N°›</a:t>
             </a:fld>
             <a:endParaRPr lang="en-US" dirty="0"/>
           </a:p>
@@ -5164,7 +5164,7 @@
             <a:fld id="{FAEF9944-A4F6-4C59-AEBD-678D6480B8EA}" type="slidenum">
               <a:rPr lang="en-US" smtClean="0"/>
               <a:pPr algn="l"/>
-              <a:t>‹#›</a:t>
+              <a:t>‹N°›</a:t>
             </a:fld>
             <a:endParaRPr lang="en-US" dirty="0"/>
           </a:p>
@@ -5553,7 +5553,7 @@
             <a:fld id="{FAEF9944-A4F6-4C59-AEBD-678D6480B8EA}" type="slidenum">
               <a:rPr lang="en-US" smtClean="0"/>
               <a:pPr algn="l"/>
-              <a:t>‹#›</a:t>
+              <a:t>‹N°›</a:t>
             </a:fld>
             <a:endParaRPr lang="en-US" dirty="0"/>
           </a:p>
@@ -5719,7 +5719,7 @@
             <a:fld id="{FAEF9944-A4F6-4C59-AEBD-678D6480B8EA}" type="slidenum">
               <a:rPr lang="en-US" smtClean="0"/>
               <a:pPr algn="l"/>
-              <a:t>‹#›</a:t>
+              <a:t>‹N°›</a:t>
             </a:fld>
             <a:endParaRPr lang="en-US" dirty="0"/>
           </a:p>
@@ -5842,7 +5842,7 @@
             <a:fld id="{FAEF9944-A4F6-4C59-AEBD-678D6480B8EA}" type="slidenum">
               <a:rPr lang="en-US" smtClean="0"/>
               <a:pPr algn="l"/>
-              <a:t>‹#›</a:t>
+              <a:t>‹N°›</a:t>
             </a:fld>
             <a:endParaRPr lang="en-US" dirty="0"/>
           </a:p>
@@ -6157,7 +6157,7 @@
             <a:fld id="{FAEF9944-A4F6-4C59-AEBD-678D6480B8EA}" type="slidenum">
               <a:rPr lang="en-US" smtClean="0"/>
               <a:pPr algn="l"/>
-              <a:t>‹#›</a:t>
+              <a:t>‹N°›</a:t>
             </a:fld>
             <a:endParaRPr lang="en-US" dirty="0"/>
           </a:p>
@@ -6472,7 +6472,7 @@
             <a:fld id="{FAEF9944-A4F6-4C59-AEBD-678D6480B8EA}" type="slidenum">
               <a:rPr lang="en-US" smtClean="0"/>
               <a:pPr algn="l"/>
-              <a:t>‹#›</a:t>
+              <a:t>‹N°›</a:t>
             </a:fld>
             <a:endParaRPr lang="en-US" dirty="0"/>
           </a:p>
@@ -6732,7 +6732,7 @@
             <a:fld id="{FAEF9944-A4F6-4C59-AEBD-678D6480B8EA}" type="slidenum">
               <a:rPr lang="en-US" smtClean="0"/>
               <a:pPr algn="l"/>
-              <a:t>‹#›</a:t>
+              <a:t>‹N°›</a:t>
             </a:fld>
             <a:endParaRPr lang="en-US" dirty="0"/>
           </a:p>
@@ -8015,6 +8015,53 @@
               <a:t>1</a:t>
             </a:fld>
             <a:endParaRPr lang="en-US" dirty="0"/>
+          </a:p>
+        </p:txBody>
+      </p:sp>
+      <p:sp>
+        <p:nvSpPr>
+          <p:cNvPr id="3" name="ZoneTexte 2">
+            <a:extLst>
+              <a:ext uri="{FF2B5EF4-FFF2-40B4-BE49-F238E27FC236}">
+                <a16:creationId xmlns:a16="http://schemas.microsoft.com/office/drawing/2014/main" id="{49E46440-A81C-16F5-8ACC-BE2AD690D09C}"/>
+              </a:ext>
+            </a:extLst>
+          </p:cNvPr>
+          <p:cNvSpPr txBox="1"/>
+          <p:nvPr/>
+        </p:nvSpPr>
+        <p:spPr>
+          <a:xfrm>
+            <a:off x="161166" y="5216383"/>
+            <a:ext cx="5164978" cy="1384995"/>
+          </a:xfrm>
+          <a:prstGeom prst="rect">
+            <a:avLst/>
+          </a:prstGeom>
+          <a:noFill/>
+        </p:spPr>
+        <p:txBody>
+          <a:bodyPr wrap="square" rtlCol="0">
+            <a:spAutoFit/>
+          </a:bodyPr>
+          <a:lstStyle/>
+          <a:p>
+            <a:r>
+              <a:rPr lang="fr-FR" sz="2800" b="1" dirty="0"/>
+              <a:t>Pierre PETILLION</a:t>
+            </a:r>
+          </a:p>
+          <a:p>
+            <a:r>
+              <a:rPr lang="fr-FR" sz="2800" b="1" dirty="0"/>
+              <a:t>Thibault FAY DE LESTRAC</a:t>
+            </a:r>
+          </a:p>
+          <a:p>
+            <a:r>
+              <a:rPr lang="fr-FR" sz="2800" b="1" dirty="0"/>
+              <a:t>ESILV 2023</a:t>
+            </a:r>
           </a:p>
         </p:txBody>
       </p:sp>
